--- a/task_2/output/Presentation Template.pptx
+++ b/task_2/output/Presentation Template.pptx
@@ -134,7 +134,7 @@
           <p:cNvPr id="2" name="Title 1">
             <a:extLst>
               <a:ext uri="{FF2B5EF4-FFF2-40B4-BE49-F238E27FC236}">
-                <a16:creationId xmlns:a16="http://schemas.microsoft.com/office/drawing/2014/main" xmlns="" id="{0E1CB125-2F04-85CC-B9E4-859AD27DD3DF}"/>
+                <a16:creationId xmlns="" xmlns:a16="http://schemas.microsoft.com/office/drawing/2014/main" id="{0E1CB125-2F04-85CC-B9E4-859AD27DD3DF}"/>
               </a:ext>
             </a:extLst>
           </p:cNvPr>
@@ -172,7 +172,7 @@
           <p:cNvPr id="3" name="Subtitle 2">
             <a:extLst>
               <a:ext uri="{FF2B5EF4-FFF2-40B4-BE49-F238E27FC236}">
-                <a16:creationId xmlns:a16="http://schemas.microsoft.com/office/drawing/2014/main" xmlns="" id="{968CF164-6A92-3964-A2E5-CD439A60E8D6}"/>
+                <a16:creationId xmlns="" xmlns:a16="http://schemas.microsoft.com/office/drawing/2014/main" id="{968CF164-6A92-3964-A2E5-CD439A60E8D6}"/>
               </a:ext>
             </a:extLst>
           </p:cNvPr>
@@ -243,7 +243,7 @@
           <p:cNvPr id="4" name="Date Placeholder 3">
             <a:extLst>
               <a:ext uri="{FF2B5EF4-FFF2-40B4-BE49-F238E27FC236}">
-                <a16:creationId xmlns:a16="http://schemas.microsoft.com/office/drawing/2014/main" xmlns="" id="{CF666AE8-A5E4-529C-376D-A7F21A81DCA8}"/>
+                <a16:creationId xmlns="" xmlns:a16="http://schemas.microsoft.com/office/drawing/2014/main" id="{CF666AE8-A5E4-529C-376D-A7F21A81DCA8}"/>
               </a:ext>
             </a:extLst>
           </p:cNvPr>
@@ -261,7 +261,7 @@
           <a:p>
             <a:fld id="{6670FE10-F406-47AF-8AE1-E9BA4C7E25F2}" type="datetimeFigureOut">
               <a:rPr lang="en-GB" smtClean="0"/>
-              <a:t>24/02/2023</a:t>
+              <a:t>10/03/2023</a:t>
             </a:fld>
             <a:endParaRPr lang="en-GB" dirty="0"/>
           </a:p>
@@ -272,7 +272,7 @@
           <p:cNvPr id="5" name="Footer Placeholder 4">
             <a:extLst>
               <a:ext uri="{FF2B5EF4-FFF2-40B4-BE49-F238E27FC236}">
-                <a16:creationId xmlns:a16="http://schemas.microsoft.com/office/drawing/2014/main" xmlns="" id="{C631255B-22D2-BFD0-6E2B-2CB909435FC6}"/>
+                <a16:creationId xmlns="" xmlns:a16="http://schemas.microsoft.com/office/drawing/2014/main" id="{C631255B-22D2-BFD0-6E2B-2CB909435FC6}"/>
               </a:ext>
             </a:extLst>
           </p:cNvPr>
@@ -300,7 +300,7 @@
           <p:cNvPr id="6" name="Slide Number Placeholder 5">
             <a:extLst>
               <a:ext uri="{FF2B5EF4-FFF2-40B4-BE49-F238E27FC236}">
-                <a16:creationId xmlns:a16="http://schemas.microsoft.com/office/drawing/2014/main" xmlns="" id="{8B6AC3F9-8084-22E7-D885-8B98F38D04B0}"/>
+                <a16:creationId xmlns="" xmlns:a16="http://schemas.microsoft.com/office/drawing/2014/main" id="{8B6AC3F9-8084-22E7-D885-8B98F38D04B0}"/>
               </a:ext>
             </a:extLst>
           </p:cNvPr>
@@ -329,7 +329,7 @@
           <p:cNvPr id="7" name="Footer Placeholder 4">
             <a:extLst>
               <a:ext uri="{FF2B5EF4-FFF2-40B4-BE49-F238E27FC236}">
-                <a16:creationId xmlns:a16="http://schemas.microsoft.com/office/drawing/2014/main" xmlns="" id="{34687BFD-2914-5915-09E8-574865A5731A}"/>
+                <a16:creationId xmlns="" xmlns:a16="http://schemas.microsoft.com/office/drawing/2014/main" id="{34687BFD-2914-5915-09E8-574865A5731A}"/>
               </a:ext>
             </a:extLst>
           </p:cNvPr>
@@ -490,7 +490,7 @@
           <p:cNvPr id="2" name="Title 1">
             <a:extLst>
               <a:ext uri="{FF2B5EF4-FFF2-40B4-BE49-F238E27FC236}">
-                <a16:creationId xmlns:a16="http://schemas.microsoft.com/office/drawing/2014/main" xmlns="" id="{C98F7736-4A28-81E7-C82E-E08B9124291F}"/>
+                <a16:creationId xmlns="" xmlns:a16="http://schemas.microsoft.com/office/drawing/2014/main" id="{C98F7736-4A28-81E7-C82E-E08B9124291F}"/>
               </a:ext>
             </a:extLst>
           </p:cNvPr>
@@ -519,7 +519,7 @@
           <p:cNvPr id="3" name="Vertical Text Placeholder 2">
             <a:extLst>
               <a:ext uri="{FF2B5EF4-FFF2-40B4-BE49-F238E27FC236}">
-                <a16:creationId xmlns:a16="http://schemas.microsoft.com/office/drawing/2014/main" xmlns="" id="{47BF6A39-8901-64F9-CB89-5DEDADC71459}"/>
+                <a16:creationId xmlns="" xmlns:a16="http://schemas.microsoft.com/office/drawing/2014/main" id="{47BF6A39-8901-64F9-CB89-5DEDADC71459}"/>
               </a:ext>
             </a:extLst>
           </p:cNvPr>
@@ -577,7 +577,7 @@
           <p:cNvPr id="4" name="Date Placeholder 3">
             <a:extLst>
               <a:ext uri="{FF2B5EF4-FFF2-40B4-BE49-F238E27FC236}">
-                <a16:creationId xmlns:a16="http://schemas.microsoft.com/office/drawing/2014/main" xmlns="" id="{79DCAC13-CEF5-615F-7188-2FF616782B18}"/>
+                <a16:creationId xmlns="" xmlns:a16="http://schemas.microsoft.com/office/drawing/2014/main" id="{79DCAC13-CEF5-615F-7188-2FF616782B18}"/>
               </a:ext>
             </a:extLst>
           </p:cNvPr>
@@ -595,7 +595,7 @@
           <a:p>
             <a:fld id="{6670FE10-F406-47AF-8AE1-E9BA4C7E25F2}" type="datetimeFigureOut">
               <a:rPr lang="en-GB" smtClean="0"/>
-              <a:t>24/02/2023</a:t>
+              <a:t>10/03/2023</a:t>
             </a:fld>
             <a:endParaRPr lang="en-GB"/>
           </a:p>
@@ -606,7 +606,7 @@
           <p:cNvPr id="5" name="Footer Placeholder 4">
             <a:extLst>
               <a:ext uri="{FF2B5EF4-FFF2-40B4-BE49-F238E27FC236}">
-                <a16:creationId xmlns:a16="http://schemas.microsoft.com/office/drawing/2014/main" xmlns="" id="{12A0B23E-BB41-954A-D844-68F59222D930}"/>
+                <a16:creationId xmlns="" xmlns:a16="http://schemas.microsoft.com/office/drawing/2014/main" id="{12A0B23E-BB41-954A-D844-68F59222D930}"/>
               </a:ext>
             </a:extLst>
           </p:cNvPr>
@@ -631,7 +631,7 @@
           <p:cNvPr id="6" name="Slide Number Placeholder 5">
             <a:extLst>
               <a:ext uri="{FF2B5EF4-FFF2-40B4-BE49-F238E27FC236}">
-                <a16:creationId xmlns:a16="http://schemas.microsoft.com/office/drawing/2014/main" xmlns="" id="{781B89A1-9BF9-CB79-4981-4A057B60A758}"/>
+                <a16:creationId xmlns="" xmlns:a16="http://schemas.microsoft.com/office/drawing/2014/main" id="{781B89A1-9BF9-CB79-4981-4A057B60A758}"/>
               </a:ext>
             </a:extLst>
           </p:cNvPr>
@@ -690,7 +690,7 @@
           <p:cNvPr id="2" name="Vertical Title 1">
             <a:extLst>
               <a:ext uri="{FF2B5EF4-FFF2-40B4-BE49-F238E27FC236}">
-                <a16:creationId xmlns:a16="http://schemas.microsoft.com/office/drawing/2014/main" xmlns="" id="{B333CEA5-A5BC-42F6-9417-DE058EAF38DB}"/>
+                <a16:creationId xmlns="" xmlns:a16="http://schemas.microsoft.com/office/drawing/2014/main" id="{B333CEA5-A5BC-42F6-9417-DE058EAF38DB}"/>
               </a:ext>
             </a:extLst>
           </p:cNvPr>
@@ -724,7 +724,7 @@
           <p:cNvPr id="3" name="Vertical Text Placeholder 2">
             <a:extLst>
               <a:ext uri="{FF2B5EF4-FFF2-40B4-BE49-F238E27FC236}">
-                <a16:creationId xmlns:a16="http://schemas.microsoft.com/office/drawing/2014/main" xmlns="" id="{39B20003-77E7-76F4-127A-9FAD2038EF14}"/>
+                <a16:creationId xmlns="" xmlns:a16="http://schemas.microsoft.com/office/drawing/2014/main" id="{39B20003-77E7-76F4-127A-9FAD2038EF14}"/>
               </a:ext>
             </a:extLst>
           </p:cNvPr>
@@ -787,7 +787,7 @@
           <p:cNvPr id="4" name="Date Placeholder 3">
             <a:extLst>
               <a:ext uri="{FF2B5EF4-FFF2-40B4-BE49-F238E27FC236}">
-                <a16:creationId xmlns:a16="http://schemas.microsoft.com/office/drawing/2014/main" xmlns="" id="{D6F2C76B-2410-6DF5-E769-3F1375B9F60C}"/>
+                <a16:creationId xmlns="" xmlns:a16="http://schemas.microsoft.com/office/drawing/2014/main" id="{D6F2C76B-2410-6DF5-E769-3F1375B9F60C}"/>
               </a:ext>
             </a:extLst>
           </p:cNvPr>
@@ -805,7 +805,7 @@
           <a:p>
             <a:fld id="{6670FE10-F406-47AF-8AE1-E9BA4C7E25F2}" type="datetimeFigureOut">
               <a:rPr lang="en-GB" smtClean="0"/>
-              <a:t>24/02/2023</a:t>
+              <a:t>10/03/2023</a:t>
             </a:fld>
             <a:endParaRPr lang="en-GB"/>
           </a:p>
@@ -816,7 +816,7 @@
           <p:cNvPr id="5" name="Footer Placeholder 4">
             <a:extLst>
               <a:ext uri="{FF2B5EF4-FFF2-40B4-BE49-F238E27FC236}">
-                <a16:creationId xmlns:a16="http://schemas.microsoft.com/office/drawing/2014/main" xmlns="" id="{989A810E-232E-6F62-BDC3-DA16DA4EE14C}"/>
+                <a16:creationId xmlns="" xmlns:a16="http://schemas.microsoft.com/office/drawing/2014/main" id="{989A810E-232E-6F62-BDC3-DA16DA4EE14C}"/>
               </a:ext>
             </a:extLst>
           </p:cNvPr>
@@ -841,7 +841,7 @@
           <p:cNvPr id="6" name="Slide Number Placeholder 5">
             <a:extLst>
               <a:ext uri="{FF2B5EF4-FFF2-40B4-BE49-F238E27FC236}">
-                <a16:creationId xmlns:a16="http://schemas.microsoft.com/office/drawing/2014/main" xmlns="" id="{D809F2B8-DDB4-2806-89D5-BFB2856E1266}"/>
+                <a16:creationId xmlns="" xmlns:a16="http://schemas.microsoft.com/office/drawing/2014/main" id="{D809F2B8-DDB4-2806-89D5-BFB2856E1266}"/>
               </a:ext>
             </a:extLst>
           </p:cNvPr>
@@ -900,7 +900,7 @@
           <p:cNvPr id="2" name="Title 1">
             <a:extLst>
               <a:ext uri="{FF2B5EF4-FFF2-40B4-BE49-F238E27FC236}">
-                <a16:creationId xmlns:a16="http://schemas.microsoft.com/office/drawing/2014/main" xmlns="" id="{32B96570-1523-0FD3-BC20-287B4073C611}"/>
+                <a16:creationId xmlns="" xmlns:a16="http://schemas.microsoft.com/office/drawing/2014/main" id="{32B96570-1523-0FD3-BC20-287B4073C611}"/>
               </a:ext>
             </a:extLst>
           </p:cNvPr>
@@ -929,7 +929,7 @@
           <p:cNvPr id="3" name="Content Placeholder 2">
             <a:extLst>
               <a:ext uri="{FF2B5EF4-FFF2-40B4-BE49-F238E27FC236}">
-                <a16:creationId xmlns:a16="http://schemas.microsoft.com/office/drawing/2014/main" xmlns="" id="{8D0B1C4E-5C84-9734-9EE1-BF86FB5C5F2A}"/>
+                <a16:creationId xmlns="" xmlns:a16="http://schemas.microsoft.com/office/drawing/2014/main" id="{8D0B1C4E-5C84-9734-9EE1-BF86FB5C5F2A}"/>
               </a:ext>
             </a:extLst>
           </p:cNvPr>
@@ -987,7 +987,7 @@
           <p:cNvPr id="4" name="Date Placeholder 3">
             <a:extLst>
               <a:ext uri="{FF2B5EF4-FFF2-40B4-BE49-F238E27FC236}">
-                <a16:creationId xmlns:a16="http://schemas.microsoft.com/office/drawing/2014/main" xmlns="" id="{22056992-9D89-2C0C-4C2C-BAE80A944102}"/>
+                <a16:creationId xmlns="" xmlns:a16="http://schemas.microsoft.com/office/drawing/2014/main" id="{22056992-9D89-2C0C-4C2C-BAE80A944102}"/>
               </a:ext>
             </a:extLst>
           </p:cNvPr>
@@ -1005,7 +1005,7 @@
           <a:p>
             <a:fld id="{6670FE10-F406-47AF-8AE1-E9BA4C7E25F2}" type="datetimeFigureOut">
               <a:rPr lang="en-GB" smtClean="0"/>
-              <a:t>24/02/2023</a:t>
+              <a:t>10/03/2023</a:t>
             </a:fld>
             <a:endParaRPr lang="en-GB"/>
           </a:p>
@@ -1016,7 +1016,7 @@
           <p:cNvPr id="5" name="Footer Placeholder 4">
             <a:extLst>
               <a:ext uri="{FF2B5EF4-FFF2-40B4-BE49-F238E27FC236}">
-                <a16:creationId xmlns:a16="http://schemas.microsoft.com/office/drawing/2014/main" xmlns="" id="{74DFFCB4-8863-0CCB-49C4-B6B7CD564D67}"/>
+                <a16:creationId xmlns="" xmlns:a16="http://schemas.microsoft.com/office/drawing/2014/main" id="{74DFFCB4-8863-0CCB-49C4-B6B7CD564D67}"/>
               </a:ext>
             </a:extLst>
           </p:cNvPr>
@@ -1041,7 +1041,7 @@
           <p:cNvPr id="6" name="Slide Number Placeholder 5">
             <a:extLst>
               <a:ext uri="{FF2B5EF4-FFF2-40B4-BE49-F238E27FC236}">
-                <a16:creationId xmlns:a16="http://schemas.microsoft.com/office/drawing/2014/main" xmlns="" id="{E36F401C-D4D3-3500-4073-E532BD9F1FD6}"/>
+                <a16:creationId xmlns="" xmlns:a16="http://schemas.microsoft.com/office/drawing/2014/main" id="{E36F401C-D4D3-3500-4073-E532BD9F1FD6}"/>
               </a:ext>
             </a:extLst>
           </p:cNvPr>
@@ -1070,7 +1070,7 @@
           <p:cNvPr id="7" name="Footer Placeholder 4">
             <a:extLst>
               <a:ext uri="{FF2B5EF4-FFF2-40B4-BE49-F238E27FC236}">
-                <a16:creationId xmlns:a16="http://schemas.microsoft.com/office/drawing/2014/main" xmlns="" id="{844B232F-D5B6-DEFE-8440-A43739EF1CB4}"/>
+                <a16:creationId xmlns="" xmlns:a16="http://schemas.microsoft.com/office/drawing/2014/main" id="{844B232F-D5B6-DEFE-8440-A43739EF1CB4}"/>
               </a:ext>
             </a:extLst>
           </p:cNvPr>
@@ -1231,7 +1231,7 @@
           <p:cNvPr id="2" name="Title 1">
             <a:extLst>
               <a:ext uri="{FF2B5EF4-FFF2-40B4-BE49-F238E27FC236}">
-                <a16:creationId xmlns:a16="http://schemas.microsoft.com/office/drawing/2014/main" xmlns="" id="{ACA9419F-3AA8-7780-4AB2-0778AAAFC21C}"/>
+                <a16:creationId xmlns="" xmlns:a16="http://schemas.microsoft.com/office/drawing/2014/main" id="{ACA9419F-3AA8-7780-4AB2-0778AAAFC21C}"/>
               </a:ext>
             </a:extLst>
           </p:cNvPr>
@@ -1269,7 +1269,7 @@
           <p:cNvPr id="3" name="Text Placeholder 2">
             <a:extLst>
               <a:ext uri="{FF2B5EF4-FFF2-40B4-BE49-F238E27FC236}">
-                <a16:creationId xmlns:a16="http://schemas.microsoft.com/office/drawing/2014/main" xmlns="" id="{F7210246-D5F0-A37C-2B2C-D6A6D3CB30DD}"/>
+                <a16:creationId xmlns="" xmlns:a16="http://schemas.microsoft.com/office/drawing/2014/main" id="{F7210246-D5F0-A37C-2B2C-D6A6D3CB30DD}"/>
               </a:ext>
             </a:extLst>
           </p:cNvPr>
@@ -1394,7 +1394,7 @@
           <p:cNvPr id="4" name="Date Placeholder 3">
             <a:extLst>
               <a:ext uri="{FF2B5EF4-FFF2-40B4-BE49-F238E27FC236}">
-                <a16:creationId xmlns:a16="http://schemas.microsoft.com/office/drawing/2014/main" xmlns="" id="{EE42C001-3FCB-0E6B-9E1F-20622B91CBC3}"/>
+                <a16:creationId xmlns="" xmlns:a16="http://schemas.microsoft.com/office/drawing/2014/main" id="{EE42C001-3FCB-0E6B-9E1F-20622B91CBC3}"/>
               </a:ext>
             </a:extLst>
           </p:cNvPr>
@@ -1412,7 +1412,7 @@
           <a:p>
             <a:fld id="{6670FE10-F406-47AF-8AE1-E9BA4C7E25F2}" type="datetimeFigureOut">
               <a:rPr lang="en-GB" smtClean="0"/>
-              <a:t>24/02/2023</a:t>
+              <a:t>10/03/2023</a:t>
             </a:fld>
             <a:endParaRPr lang="en-GB"/>
           </a:p>
@@ -1423,7 +1423,7 @@
           <p:cNvPr id="5" name="Footer Placeholder 4">
             <a:extLst>
               <a:ext uri="{FF2B5EF4-FFF2-40B4-BE49-F238E27FC236}">
-                <a16:creationId xmlns:a16="http://schemas.microsoft.com/office/drawing/2014/main" xmlns="" id="{B80F9F14-D78E-F738-AB9A-82903D4180EC}"/>
+                <a16:creationId xmlns="" xmlns:a16="http://schemas.microsoft.com/office/drawing/2014/main" id="{B80F9F14-D78E-F738-AB9A-82903D4180EC}"/>
               </a:ext>
             </a:extLst>
           </p:cNvPr>
@@ -1448,7 +1448,7 @@
           <p:cNvPr id="6" name="Slide Number Placeholder 5">
             <a:extLst>
               <a:ext uri="{FF2B5EF4-FFF2-40B4-BE49-F238E27FC236}">
-                <a16:creationId xmlns:a16="http://schemas.microsoft.com/office/drawing/2014/main" xmlns="" id="{3DA85AB1-BB89-8FEB-4B9B-6D47D0A3306D}"/>
+                <a16:creationId xmlns="" xmlns:a16="http://schemas.microsoft.com/office/drawing/2014/main" id="{3DA85AB1-BB89-8FEB-4B9B-6D47D0A3306D}"/>
               </a:ext>
             </a:extLst>
           </p:cNvPr>
@@ -1507,7 +1507,7 @@
           <p:cNvPr id="2" name="Title 1">
             <a:extLst>
               <a:ext uri="{FF2B5EF4-FFF2-40B4-BE49-F238E27FC236}">
-                <a16:creationId xmlns:a16="http://schemas.microsoft.com/office/drawing/2014/main" xmlns="" id="{24DD90D2-E4BE-3BAB-80D6-46034DFB3151}"/>
+                <a16:creationId xmlns="" xmlns:a16="http://schemas.microsoft.com/office/drawing/2014/main" id="{24DD90D2-E4BE-3BAB-80D6-46034DFB3151}"/>
               </a:ext>
             </a:extLst>
           </p:cNvPr>
@@ -1536,7 +1536,7 @@
           <p:cNvPr id="3" name="Content Placeholder 2">
             <a:extLst>
               <a:ext uri="{FF2B5EF4-FFF2-40B4-BE49-F238E27FC236}">
-                <a16:creationId xmlns:a16="http://schemas.microsoft.com/office/drawing/2014/main" xmlns="" id="{1BE216A8-1C74-E2BB-5D51-957032134746}"/>
+                <a16:creationId xmlns="" xmlns:a16="http://schemas.microsoft.com/office/drawing/2014/main" id="{1BE216A8-1C74-E2BB-5D51-957032134746}"/>
               </a:ext>
             </a:extLst>
           </p:cNvPr>
@@ -1599,7 +1599,7 @@
           <p:cNvPr id="4" name="Content Placeholder 3">
             <a:extLst>
               <a:ext uri="{FF2B5EF4-FFF2-40B4-BE49-F238E27FC236}">
-                <a16:creationId xmlns:a16="http://schemas.microsoft.com/office/drawing/2014/main" xmlns="" id="{E482CC0D-CA4E-02C7-076E-55D511571AB6}"/>
+                <a16:creationId xmlns="" xmlns:a16="http://schemas.microsoft.com/office/drawing/2014/main" id="{E482CC0D-CA4E-02C7-076E-55D511571AB6}"/>
               </a:ext>
             </a:extLst>
           </p:cNvPr>
@@ -1662,7 +1662,7 @@
           <p:cNvPr id="5" name="Date Placeholder 4">
             <a:extLst>
               <a:ext uri="{FF2B5EF4-FFF2-40B4-BE49-F238E27FC236}">
-                <a16:creationId xmlns:a16="http://schemas.microsoft.com/office/drawing/2014/main" xmlns="" id="{70BDE4EC-111C-93BE-1438-6CDC2E8FCC78}"/>
+                <a16:creationId xmlns="" xmlns:a16="http://schemas.microsoft.com/office/drawing/2014/main" id="{70BDE4EC-111C-93BE-1438-6CDC2E8FCC78}"/>
               </a:ext>
             </a:extLst>
           </p:cNvPr>
@@ -1680,7 +1680,7 @@
           <a:p>
             <a:fld id="{6670FE10-F406-47AF-8AE1-E9BA4C7E25F2}" type="datetimeFigureOut">
               <a:rPr lang="en-GB" smtClean="0"/>
-              <a:t>24/02/2023</a:t>
+              <a:t>10/03/2023</a:t>
             </a:fld>
             <a:endParaRPr lang="en-GB"/>
           </a:p>
@@ -1691,7 +1691,7 @@
           <p:cNvPr id="6" name="Footer Placeholder 5">
             <a:extLst>
               <a:ext uri="{FF2B5EF4-FFF2-40B4-BE49-F238E27FC236}">
-                <a16:creationId xmlns:a16="http://schemas.microsoft.com/office/drawing/2014/main" xmlns="" id="{ABE612E8-024B-A8EE-5D52-CE4D6B315CBE}"/>
+                <a16:creationId xmlns="" xmlns:a16="http://schemas.microsoft.com/office/drawing/2014/main" id="{ABE612E8-024B-A8EE-5D52-CE4D6B315CBE}"/>
               </a:ext>
             </a:extLst>
           </p:cNvPr>
@@ -1716,7 +1716,7 @@
           <p:cNvPr id="7" name="Slide Number Placeholder 6">
             <a:extLst>
               <a:ext uri="{FF2B5EF4-FFF2-40B4-BE49-F238E27FC236}">
-                <a16:creationId xmlns:a16="http://schemas.microsoft.com/office/drawing/2014/main" xmlns="" id="{838136DD-9F31-209F-5224-7E8DA5ED84DF}"/>
+                <a16:creationId xmlns="" xmlns:a16="http://schemas.microsoft.com/office/drawing/2014/main" id="{838136DD-9F31-209F-5224-7E8DA5ED84DF}"/>
               </a:ext>
             </a:extLst>
           </p:cNvPr>
@@ -1775,7 +1775,7 @@
           <p:cNvPr id="2" name="Title 1">
             <a:extLst>
               <a:ext uri="{FF2B5EF4-FFF2-40B4-BE49-F238E27FC236}">
-                <a16:creationId xmlns:a16="http://schemas.microsoft.com/office/drawing/2014/main" xmlns="" id="{F0ACAF4E-854C-2F13-E1E3-1FCD814C36C1}"/>
+                <a16:creationId xmlns="" xmlns:a16="http://schemas.microsoft.com/office/drawing/2014/main" id="{F0ACAF4E-854C-2F13-E1E3-1FCD814C36C1}"/>
               </a:ext>
             </a:extLst>
           </p:cNvPr>
@@ -1809,7 +1809,7 @@
           <p:cNvPr id="3" name="Text Placeholder 2">
             <a:extLst>
               <a:ext uri="{FF2B5EF4-FFF2-40B4-BE49-F238E27FC236}">
-                <a16:creationId xmlns:a16="http://schemas.microsoft.com/office/drawing/2014/main" xmlns="" id="{55F20CA3-8962-ED78-5627-E2AFD1FA8C10}"/>
+                <a16:creationId xmlns="" xmlns:a16="http://schemas.microsoft.com/office/drawing/2014/main" id="{55F20CA3-8962-ED78-5627-E2AFD1FA8C10}"/>
               </a:ext>
             </a:extLst>
           </p:cNvPr>
@@ -1880,7 +1880,7 @@
           <p:cNvPr id="4" name="Content Placeholder 3">
             <a:extLst>
               <a:ext uri="{FF2B5EF4-FFF2-40B4-BE49-F238E27FC236}">
-                <a16:creationId xmlns:a16="http://schemas.microsoft.com/office/drawing/2014/main" xmlns="" id="{A9DFED54-B3EB-EDCE-24C1-E05D0B1AAE2D}"/>
+                <a16:creationId xmlns="" xmlns:a16="http://schemas.microsoft.com/office/drawing/2014/main" id="{A9DFED54-B3EB-EDCE-24C1-E05D0B1AAE2D}"/>
               </a:ext>
             </a:extLst>
           </p:cNvPr>
@@ -1943,7 +1943,7 @@
           <p:cNvPr id="5" name="Text Placeholder 4">
             <a:extLst>
               <a:ext uri="{FF2B5EF4-FFF2-40B4-BE49-F238E27FC236}">
-                <a16:creationId xmlns:a16="http://schemas.microsoft.com/office/drawing/2014/main" xmlns="" id="{6DB824DE-EEE0-3583-344D-DEB814DF9A03}"/>
+                <a16:creationId xmlns="" xmlns:a16="http://schemas.microsoft.com/office/drawing/2014/main" id="{6DB824DE-EEE0-3583-344D-DEB814DF9A03}"/>
               </a:ext>
             </a:extLst>
           </p:cNvPr>
@@ -2014,7 +2014,7 @@
           <p:cNvPr id="6" name="Content Placeholder 5">
             <a:extLst>
               <a:ext uri="{FF2B5EF4-FFF2-40B4-BE49-F238E27FC236}">
-                <a16:creationId xmlns:a16="http://schemas.microsoft.com/office/drawing/2014/main" xmlns="" id="{26C3C5AD-D28A-542C-CF9F-7650793A3835}"/>
+                <a16:creationId xmlns="" xmlns:a16="http://schemas.microsoft.com/office/drawing/2014/main" id="{26C3C5AD-D28A-542C-CF9F-7650793A3835}"/>
               </a:ext>
             </a:extLst>
           </p:cNvPr>
@@ -2077,7 +2077,7 @@
           <p:cNvPr id="7" name="Date Placeholder 6">
             <a:extLst>
               <a:ext uri="{FF2B5EF4-FFF2-40B4-BE49-F238E27FC236}">
-                <a16:creationId xmlns:a16="http://schemas.microsoft.com/office/drawing/2014/main" xmlns="" id="{7BCFE2E4-8192-9EA2-4489-80F4A15EFB6B}"/>
+                <a16:creationId xmlns="" xmlns:a16="http://schemas.microsoft.com/office/drawing/2014/main" id="{7BCFE2E4-8192-9EA2-4489-80F4A15EFB6B}"/>
               </a:ext>
             </a:extLst>
           </p:cNvPr>
@@ -2095,7 +2095,7 @@
           <a:p>
             <a:fld id="{6670FE10-F406-47AF-8AE1-E9BA4C7E25F2}" type="datetimeFigureOut">
               <a:rPr lang="en-GB" smtClean="0"/>
-              <a:t>24/02/2023</a:t>
+              <a:t>10/03/2023</a:t>
             </a:fld>
             <a:endParaRPr lang="en-GB"/>
           </a:p>
@@ -2106,7 +2106,7 @@
           <p:cNvPr id="8" name="Footer Placeholder 7">
             <a:extLst>
               <a:ext uri="{FF2B5EF4-FFF2-40B4-BE49-F238E27FC236}">
-                <a16:creationId xmlns:a16="http://schemas.microsoft.com/office/drawing/2014/main" xmlns="" id="{0124C7DB-3AF1-24E1-DCBE-207B96CA5B37}"/>
+                <a16:creationId xmlns="" xmlns:a16="http://schemas.microsoft.com/office/drawing/2014/main" id="{0124C7DB-3AF1-24E1-DCBE-207B96CA5B37}"/>
               </a:ext>
             </a:extLst>
           </p:cNvPr>
@@ -2131,7 +2131,7 @@
           <p:cNvPr id="9" name="Slide Number Placeholder 8">
             <a:extLst>
               <a:ext uri="{FF2B5EF4-FFF2-40B4-BE49-F238E27FC236}">
-                <a16:creationId xmlns:a16="http://schemas.microsoft.com/office/drawing/2014/main" xmlns="" id="{F0FA5518-D3AE-F720-2BE0-3F9DB2DFA9EF}"/>
+                <a16:creationId xmlns="" xmlns:a16="http://schemas.microsoft.com/office/drawing/2014/main" id="{F0FA5518-D3AE-F720-2BE0-3F9DB2DFA9EF}"/>
               </a:ext>
             </a:extLst>
           </p:cNvPr>
@@ -2190,7 +2190,7 @@
           <p:cNvPr id="2" name="Title 1">
             <a:extLst>
               <a:ext uri="{FF2B5EF4-FFF2-40B4-BE49-F238E27FC236}">
-                <a16:creationId xmlns:a16="http://schemas.microsoft.com/office/drawing/2014/main" xmlns="" id="{CDBB8F10-4EB4-0C0F-03BF-F531D235ADC4}"/>
+                <a16:creationId xmlns="" xmlns:a16="http://schemas.microsoft.com/office/drawing/2014/main" id="{CDBB8F10-4EB4-0C0F-03BF-F531D235ADC4}"/>
               </a:ext>
             </a:extLst>
           </p:cNvPr>
@@ -2219,7 +2219,7 @@
           <p:cNvPr id="3" name="Date Placeholder 2">
             <a:extLst>
               <a:ext uri="{FF2B5EF4-FFF2-40B4-BE49-F238E27FC236}">
-                <a16:creationId xmlns:a16="http://schemas.microsoft.com/office/drawing/2014/main" xmlns="" id="{0F1CEF92-A5CC-B946-CAFC-8C36EB5A1CA9}"/>
+                <a16:creationId xmlns="" xmlns:a16="http://schemas.microsoft.com/office/drawing/2014/main" id="{0F1CEF92-A5CC-B946-CAFC-8C36EB5A1CA9}"/>
               </a:ext>
             </a:extLst>
           </p:cNvPr>
@@ -2237,7 +2237,7 @@
           <a:p>
             <a:fld id="{6670FE10-F406-47AF-8AE1-E9BA4C7E25F2}" type="datetimeFigureOut">
               <a:rPr lang="en-GB" smtClean="0"/>
-              <a:t>24/02/2023</a:t>
+              <a:t>10/03/2023</a:t>
             </a:fld>
             <a:endParaRPr lang="en-GB"/>
           </a:p>
@@ -2248,7 +2248,7 @@
           <p:cNvPr id="4" name="Footer Placeholder 3">
             <a:extLst>
               <a:ext uri="{FF2B5EF4-FFF2-40B4-BE49-F238E27FC236}">
-                <a16:creationId xmlns:a16="http://schemas.microsoft.com/office/drawing/2014/main" xmlns="" id="{79B0AED2-981A-D1A1-3051-5903B7A77705}"/>
+                <a16:creationId xmlns="" xmlns:a16="http://schemas.microsoft.com/office/drawing/2014/main" id="{79B0AED2-981A-D1A1-3051-5903B7A77705}"/>
               </a:ext>
             </a:extLst>
           </p:cNvPr>
@@ -2273,7 +2273,7 @@
           <p:cNvPr id="5" name="Slide Number Placeholder 4">
             <a:extLst>
               <a:ext uri="{FF2B5EF4-FFF2-40B4-BE49-F238E27FC236}">
-                <a16:creationId xmlns:a16="http://schemas.microsoft.com/office/drawing/2014/main" xmlns="" id="{30C34D5F-9056-9555-8436-92D63EF82CE5}"/>
+                <a16:creationId xmlns="" xmlns:a16="http://schemas.microsoft.com/office/drawing/2014/main" id="{30C34D5F-9056-9555-8436-92D63EF82CE5}"/>
               </a:ext>
             </a:extLst>
           </p:cNvPr>
@@ -2332,7 +2332,7 @@
           <p:cNvPr id="2" name="Date Placeholder 1">
             <a:extLst>
               <a:ext uri="{FF2B5EF4-FFF2-40B4-BE49-F238E27FC236}">
-                <a16:creationId xmlns:a16="http://schemas.microsoft.com/office/drawing/2014/main" xmlns="" id="{B730EC6A-6AD6-AA45-F17C-03F69F0BC0B1}"/>
+                <a16:creationId xmlns="" xmlns:a16="http://schemas.microsoft.com/office/drawing/2014/main" id="{B730EC6A-6AD6-AA45-F17C-03F69F0BC0B1}"/>
               </a:ext>
             </a:extLst>
           </p:cNvPr>
@@ -2350,7 +2350,7 @@
           <a:p>
             <a:fld id="{6670FE10-F406-47AF-8AE1-E9BA4C7E25F2}" type="datetimeFigureOut">
               <a:rPr lang="en-GB" smtClean="0"/>
-              <a:t>24/02/2023</a:t>
+              <a:t>10/03/2023</a:t>
             </a:fld>
             <a:endParaRPr lang="en-GB"/>
           </a:p>
@@ -2361,7 +2361,7 @@
           <p:cNvPr id="3" name="Footer Placeholder 2">
             <a:extLst>
               <a:ext uri="{FF2B5EF4-FFF2-40B4-BE49-F238E27FC236}">
-                <a16:creationId xmlns:a16="http://schemas.microsoft.com/office/drawing/2014/main" xmlns="" id="{4CE86569-C17C-085A-6CBC-D1C4A1862CB5}"/>
+                <a16:creationId xmlns="" xmlns:a16="http://schemas.microsoft.com/office/drawing/2014/main" id="{4CE86569-C17C-085A-6CBC-D1C4A1862CB5}"/>
               </a:ext>
             </a:extLst>
           </p:cNvPr>
@@ -2386,7 +2386,7 @@
           <p:cNvPr id="4" name="Slide Number Placeholder 3">
             <a:extLst>
               <a:ext uri="{FF2B5EF4-FFF2-40B4-BE49-F238E27FC236}">
-                <a16:creationId xmlns:a16="http://schemas.microsoft.com/office/drawing/2014/main" xmlns="" id="{78D85FA6-E886-1316-E77C-F547D63906B5}"/>
+                <a16:creationId xmlns="" xmlns:a16="http://schemas.microsoft.com/office/drawing/2014/main" id="{78D85FA6-E886-1316-E77C-F547D63906B5}"/>
               </a:ext>
             </a:extLst>
           </p:cNvPr>
@@ -2445,7 +2445,7 @@
           <p:cNvPr id="2" name="Title 1">
             <a:extLst>
               <a:ext uri="{FF2B5EF4-FFF2-40B4-BE49-F238E27FC236}">
-                <a16:creationId xmlns:a16="http://schemas.microsoft.com/office/drawing/2014/main" xmlns="" id="{0BD7938B-5BC3-3F7E-C07B-69D21045835A}"/>
+                <a16:creationId xmlns="" xmlns:a16="http://schemas.microsoft.com/office/drawing/2014/main" id="{0BD7938B-5BC3-3F7E-C07B-69D21045835A}"/>
               </a:ext>
             </a:extLst>
           </p:cNvPr>
@@ -2483,7 +2483,7 @@
           <p:cNvPr id="3" name="Content Placeholder 2">
             <a:extLst>
               <a:ext uri="{FF2B5EF4-FFF2-40B4-BE49-F238E27FC236}">
-                <a16:creationId xmlns:a16="http://schemas.microsoft.com/office/drawing/2014/main" xmlns="" id="{8BA5A36E-54F8-095F-63F4-D35F0CEA499E}"/>
+                <a16:creationId xmlns="" xmlns:a16="http://schemas.microsoft.com/office/drawing/2014/main" id="{8BA5A36E-54F8-095F-63F4-D35F0CEA499E}"/>
               </a:ext>
             </a:extLst>
           </p:cNvPr>
@@ -2574,7 +2574,7 @@
           <p:cNvPr id="4" name="Text Placeholder 3">
             <a:extLst>
               <a:ext uri="{FF2B5EF4-FFF2-40B4-BE49-F238E27FC236}">
-                <a16:creationId xmlns:a16="http://schemas.microsoft.com/office/drawing/2014/main" xmlns="" id="{6E133D28-5C98-8AD3-E53B-B46BC56EF23C}"/>
+                <a16:creationId xmlns="" xmlns:a16="http://schemas.microsoft.com/office/drawing/2014/main" id="{6E133D28-5C98-8AD3-E53B-B46BC56EF23C}"/>
               </a:ext>
             </a:extLst>
           </p:cNvPr>
@@ -2645,7 +2645,7 @@
           <p:cNvPr id="5" name="Date Placeholder 4">
             <a:extLst>
               <a:ext uri="{FF2B5EF4-FFF2-40B4-BE49-F238E27FC236}">
-                <a16:creationId xmlns:a16="http://schemas.microsoft.com/office/drawing/2014/main" xmlns="" id="{5B6D2A4C-20E2-A896-97ED-F88A7A2385FF}"/>
+                <a16:creationId xmlns="" xmlns:a16="http://schemas.microsoft.com/office/drawing/2014/main" id="{5B6D2A4C-20E2-A896-97ED-F88A7A2385FF}"/>
               </a:ext>
             </a:extLst>
           </p:cNvPr>
@@ -2663,7 +2663,7 @@
           <a:p>
             <a:fld id="{6670FE10-F406-47AF-8AE1-E9BA4C7E25F2}" type="datetimeFigureOut">
               <a:rPr lang="en-GB" smtClean="0"/>
-              <a:t>24/02/2023</a:t>
+              <a:t>10/03/2023</a:t>
             </a:fld>
             <a:endParaRPr lang="en-GB"/>
           </a:p>
@@ -2674,7 +2674,7 @@
           <p:cNvPr id="6" name="Footer Placeholder 5">
             <a:extLst>
               <a:ext uri="{FF2B5EF4-FFF2-40B4-BE49-F238E27FC236}">
-                <a16:creationId xmlns:a16="http://schemas.microsoft.com/office/drawing/2014/main" xmlns="" id="{ED56FC89-B6CF-07FC-4053-C9A2B6E43753}"/>
+                <a16:creationId xmlns="" xmlns:a16="http://schemas.microsoft.com/office/drawing/2014/main" id="{ED56FC89-B6CF-07FC-4053-C9A2B6E43753}"/>
               </a:ext>
             </a:extLst>
           </p:cNvPr>
@@ -2699,7 +2699,7 @@
           <p:cNvPr id="7" name="Slide Number Placeholder 6">
             <a:extLst>
               <a:ext uri="{FF2B5EF4-FFF2-40B4-BE49-F238E27FC236}">
-                <a16:creationId xmlns:a16="http://schemas.microsoft.com/office/drawing/2014/main" xmlns="" id="{C6B4ECD2-23D6-A678-D6E6-CC8E80A4100C}"/>
+                <a16:creationId xmlns="" xmlns:a16="http://schemas.microsoft.com/office/drawing/2014/main" id="{C6B4ECD2-23D6-A678-D6E6-CC8E80A4100C}"/>
               </a:ext>
             </a:extLst>
           </p:cNvPr>
@@ -2758,7 +2758,7 @@
           <p:cNvPr id="2" name="Title 1">
             <a:extLst>
               <a:ext uri="{FF2B5EF4-FFF2-40B4-BE49-F238E27FC236}">
-                <a16:creationId xmlns:a16="http://schemas.microsoft.com/office/drawing/2014/main" xmlns="" id="{486D62C0-B9AF-01E3-3121-5E4CEC456534}"/>
+                <a16:creationId xmlns="" xmlns:a16="http://schemas.microsoft.com/office/drawing/2014/main" id="{486D62C0-B9AF-01E3-3121-5E4CEC456534}"/>
               </a:ext>
             </a:extLst>
           </p:cNvPr>
@@ -2796,7 +2796,7 @@
           <p:cNvPr id="3" name="Picture Placeholder 2">
             <a:extLst>
               <a:ext uri="{FF2B5EF4-FFF2-40B4-BE49-F238E27FC236}">
-                <a16:creationId xmlns:a16="http://schemas.microsoft.com/office/drawing/2014/main" xmlns="" id="{C01E6429-9B79-A736-0B9D-B13183DAC690}"/>
+                <a16:creationId xmlns="" xmlns:a16="http://schemas.microsoft.com/office/drawing/2014/main" id="{C01E6429-9B79-A736-0B9D-B13183DAC690}"/>
               </a:ext>
             </a:extLst>
           </p:cNvPr>
@@ -2863,7 +2863,7 @@
           <p:cNvPr id="4" name="Text Placeholder 3">
             <a:extLst>
               <a:ext uri="{FF2B5EF4-FFF2-40B4-BE49-F238E27FC236}">
-                <a16:creationId xmlns:a16="http://schemas.microsoft.com/office/drawing/2014/main" xmlns="" id="{A38859E1-EE15-4687-0846-74724C476ED6}"/>
+                <a16:creationId xmlns="" xmlns:a16="http://schemas.microsoft.com/office/drawing/2014/main" id="{A38859E1-EE15-4687-0846-74724C476ED6}"/>
               </a:ext>
             </a:extLst>
           </p:cNvPr>
@@ -2934,7 +2934,7 @@
           <p:cNvPr id="5" name="Date Placeholder 4">
             <a:extLst>
               <a:ext uri="{FF2B5EF4-FFF2-40B4-BE49-F238E27FC236}">
-                <a16:creationId xmlns:a16="http://schemas.microsoft.com/office/drawing/2014/main" xmlns="" id="{CFB76135-5B72-1EEF-F390-24A30E0C2784}"/>
+                <a16:creationId xmlns="" xmlns:a16="http://schemas.microsoft.com/office/drawing/2014/main" id="{CFB76135-5B72-1EEF-F390-24A30E0C2784}"/>
               </a:ext>
             </a:extLst>
           </p:cNvPr>
@@ -2952,7 +2952,7 @@
           <a:p>
             <a:fld id="{6670FE10-F406-47AF-8AE1-E9BA4C7E25F2}" type="datetimeFigureOut">
               <a:rPr lang="en-GB" smtClean="0"/>
-              <a:t>24/02/2023</a:t>
+              <a:t>10/03/2023</a:t>
             </a:fld>
             <a:endParaRPr lang="en-GB"/>
           </a:p>
@@ -2963,7 +2963,7 @@
           <p:cNvPr id="6" name="Footer Placeholder 5">
             <a:extLst>
               <a:ext uri="{FF2B5EF4-FFF2-40B4-BE49-F238E27FC236}">
-                <a16:creationId xmlns:a16="http://schemas.microsoft.com/office/drawing/2014/main" xmlns="" id="{35886E81-CAA3-CA1B-34FD-D779E0A78C49}"/>
+                <a16:creationId xmlns="" xmlns:a16="http://schemas.microsoft.com/office/drawing/2014/main" id="{35886E81-CAA3-CA1B-34FD-D779E0A78C49}"/>
               </a:ext>
             </a:extLst>
           </p:cNvPr>
@@ -2988,7 +2988,7 @@
           <p:cNvPr id="7" name="Slide Number Placeholder 6">
             <a:extLst>
               <a:ext uri="{FF2B5EF4-FFF2-40B4-BE49-F238E27FC236}">
-                <a16:creationId xmlns:a16="http://schemas.microsoft.com/office/drawing/2014/main" xmlns="" id="{55CACC89-7C0E-4493-8D29-3D8652C25C7A}"/>
+                <a16:creationId xmlns="" xmlns:a16="http://schemas.microsoft.com/office/drawing/2014/main" id="{55CACC89-7C0E-4493-8D29-3D8652C25C7A}"/>
               </a:ext>
             </a:extLst>
           </p:cNvPr>
@@ -3052,7 +3052,7 @@
           <p:cNvPr id="2" name="Title Placeholder 1">
             <a:extLst>
               <a:ext uri="{FF2B5EF4-FFF2-40B4-BE49-F238E27FC236}">
-                <a16:creationId xmlns:a16="http://schemas.microsoft.com/office/drawing/2014/main" xmlns="" id="{2A2A5E74-E7EA-A582-FEFF-7E8B6526EAE3}"/>
+                <a16:creationId xmlns="" xmlns:a16="http://schemas.microsoft.com/office/drawing/2014/main" id="{2A2A5E74-E7EA-A582-FEFF-7E8B6526EAE3}"/>
               </a:ext>
             </a:extLst>
           </p:cNvPr>
@@ -3091,7 +3091,7 @@
           <p:cNvPr id="3" name="Text Placeholder 2">
             <a:extLst>
               <a:ext uri="{FF2B5EF4-FFF2-40B4-BE49-F238E27FC236}">
-                <a16:creationId xmlns:a16="http://schemas.microsoft.com/office/drawing/2014/main" xmlns="" id="{81F34B22-10EC-C970-0CA4-B2EEE5D4462F}"/>
+                <a16:creationId xmlns="" xmlns:a16="http://schemas.microsoft.com/office/drawing/2014/main" id="{81F34B22-10EC-C970-0CA4-B2EEE5D4462F}"/>
               </a:ext>
             </a:extLst>
           </p:cNvPr>
@@ -3159,7 +3159,7 @@
           <p:cNvPr id="4" name="Date Placeholder 3">
             <a:extLst>
               <a:ext uri="{FF2B5EF4-FFF2-40B4-BE49-F238E27FC236}">
-                <a16:creationId xmlns:a16="http://schemas.microsoft.com/office/drawing/2014/main" xmlns="" id="{EB568B27-F4D1-8804-8F24-49F4B5CF6401}"/>
+                <a16:creationId xmlns="" xmlns:a16="http://schemas.microsoft.com/office/drawing/2014/main" id="{EB568B27-F4D1-8804-8F24-49F4B5CF6401}"/>
               </a:ext>
             </a:extLst>
           </p:cNvPr>
@@ -3195,7 +3195,7 @@
           <a:p>
             <a:fld id="{6670FE10-F406-47AF-8AE1-E9BA4C7E25F2}" type="datetimeFigureOut">
               <a:rPr lang="en-GB" smtClean="0"/>
-              <a:t>24/02/2023</a:t>
+              <a:t>10/03/2023</a:t>
             </a:fld>
             <a:endParaRPr lang="en-GB"/>
           </a:p>
@@ -3206,7 +3206,7 @@
           <p:cNvPr id="5" name="Footer Placeholder 4">
             <a:extLst>
               <a:ext uri="{FF2B5EF4-FFF2-40B4-BE49-F238E27FC236}">
-                <a16:creationId xmlns:a16="http://schemas.microsoft.com/office/drawing/2014/main" xmlns="" id="{0FE3C49D-7C0D-DBB2-ECF5-D83556B8653A}"/>
+                <a16:creationId xmlns="" xmlns:a16="http://schemas.microsoft.com/office/drawing/2014/main" id="{0FE3C49D-7C0D-DBB2-ECF5-D83556B8653A}"/>
               </a:ext>
             </a:extLst>
           </p:cNvPr>
@@ -3249,7 +3249,7 @@
           <p:cNvPr id="6" name="Slide Number Placeholder 5">
             <a:extLst>
               <a:ext uri="{FF2B5EF4-FFF2-40B4-BE49-F238E27FC236}">
-                <a16:creationId xmlns:a16="http://schemas.microsoft.com/office/drawing/2014/main" xmlns="" id="{C8EB63AB-DEAA-1B23-7F83-4CF51358DAA8}"/>
+                <a16:creationId xmlns="" xmlns:a16="http://schemas.microsoft.com/office/drawing/2014/main" id="{C8EB63AB-DEAA-1B23-7F83-4CF51358DAA8}"/>
               </a:ext>
             </a:extLst>
           </p:cNvPr>
@@ -3617,7 +3617,7 @@
           <p:cNvPr id="2" name="Title 1">
             <a:extLst>
               <a:ext uri="{FF2B5EF4-FFF2-40B4-BE49-F238E27FC236}">
-                <a16:creationId xmlns:a16="http://schemas.microsoft.com/office/drawing/2014/main" xmlns="" id="{7BDADD12-D653-7463-3EAD-70846DE1F2CC}"/>
+                <a16:creationId xmlns="" xmlns:a16="http://schemas.microsoft.com/office/drawing/2014/main" id="{7BDADD12-D653-7463-3EAD-70846DE1F2CC}"/>
               </a:ext>
             </a:extLst>
           </p:cNvPr>
@@ -3650,78 +3650,6 @@
           </a:p>
         </p:txBody>
       </p:sp>
-      <p:pic>
-        <p:nvPicPr>
-          <p:cNvPr id="8" name="Picture 7"/>
-          <p:cNvPicPr>
-            <a:picLocks noChangeAspect="1"/>
-          </p:cNvPicPr>
-          <p:nvPr/>
-        </p:nvPicPr>
-        <p:blipFill>
-          <a:blip r:embed="rId2"/>
-          <a:stretch>
-            <a:fillRect/>
-          </a:stretch>
-        </p:blipFill>
-        <p:spPr>
-          <a:xfrm>
-            <a:off x="51514" y="1147307"/>
-            <a:ext cx="7508385" cy="4401467"/>
-          </a:xfrm>
-          <a:prstGeom prst="rect">
-            <a:avLst/>
-          </a:prstGeom>
-        </p:spPr>
-      </p:pic>
-      <p:pic>
-        <p:nvPicPr>
-          <p:cNvPr id="9" name="Picture 8"/>
-          <p:cNvPicPr>
-            <a:picLocks noChangeAspect="1"/>
-          </p:cNvPicPr>
-          <p:nvPr/>
-        </p:nvPicPr>
-        <p:blipFill>
-          <a:blip r:embed="rId3"/>
-          <a:stretch>
-            <a:fillRect/>
-          </a:stretch>
-        </p:blipFill>
-        <p:spPr>
-          <a:xfrm>
-            <a:off x="7813185" y="1271587"/>
-            <a:ext cx="4327301" cy="1856981"/>
-          </a:xfrm>
-          <a:prstGeom prst="rect">
-            <a:avLst/>
-          </a:prstGeom>
-        </p:spPr>
-      </p:pic>
-      <p:pic>
-        <p:nvPicPr>
-          <p:cNvPr id="10" name="Picture 9"/>
-          <p:cNvPicPr>
-            <a:picLocks noChangeAspect="1"/>
-          </p:cNvPicPr>
-          <p:nvPr/>
-        </p:nvPicPr>
-        <p:blipFill>
-          <a:blip r:embed="rId4"/>
-          <a:stretch>
-            <a:fillRect/>
-          </a:stretch>
-        </p:blipFill>
-        <p:spPr>
-          <a:xfrm>
-            <a:off x="7944119" y="3557569"/>
-            <a:ext cx="4065432" cy="3300431"/>
-          </a:xfrm>
-          <a:prstGeom prst="rect">
-            <a:avLst/>
-          </a:prstGeom>
-        </p:spPr>
-      </p:pic>
       <p:sp>
         <p:nvSpPr>
           <p:cNvPr id="13" name="Rectangle 12"/>
@@ -3800,6 +3728,90 @@
           </a:p>
         </p:txBody>
       </p:sp>
+      <p:pic>
+        <p:nvPicPr>
+          <p:cNvPr id="3" name="Picture 2"/>
+          <p:cNvPicPr>
+            <a:picLocks noChangeAspect="1"/>
+          </p:cNvPicPr>
+          <p:nvPr/>
+        </p:nvPicPr>
+        <p:blipFill>
+          <a:blip r:embed="rId2">
+            <a:extLst>
+              <a:ext uri="{28A0092B-C50C-407E-A947-70E740481C1C}">
+                <a14:useLocalDpi xmlns:a14="http://schemas.microsoft.com/office/drawing/2010/main" val="0"/>
+              </a:ext>
+            </a:extLst>
+          </a:blip>
+          <a:stretch>
+            <a:fillRect/>
+          </a:stretch>
+        </p:blipFill>
+        <p:spPr>
+          <a:xfrm>
+            <a:off x="180304" y="1094704"/>
+            <a:ext cx="7294776" cy="4372377"/>
+          </a:xfrm>
+          <a:prstGeom prst="rect">
+            <a:avLst/>
+          </a:prstGeom>
+        </p:spPr>
+      </p:pic>
+      <p:pic>
+        <p:nvPicPr>
+          <p:cNvPr id="4" name="Picture 3"/>
+          <p:cNvPicPr>
+            <a:picLocks noChangeAspect="1"/>
+          </p:cNvPicPr>
+          <p:nvPr/>
+        </p:nvPicPr>
+        <p:blipFill>
+          <a:blip r:embed="rId3"/>
+          <a:stretch>
+            <a:fillRect/>
+          </a:stretch>
+        </p:blipFill>
+        <p:spPr>
+          <a:xfrm>
+            <a:off x="7583256" y="1223493"/>
+            <a:ext cx="4488544" cy="2073499"/>
+          </a:xfrm>
+          <a:prstGeom prst="rect">
+            <a:avLst/>
+          </a:prstGeom>
+        </p:spPr>
+      </p:pic>
+      <p:pic>
+        <p:nvPicPr>
+          <p:cNvPr id="5" name="Picture 4"/>
+          <p:cNvPicPr>
+            <a:picLocks noChangeAspect="1"/>
+          </p:cNvPicPr>
+          <p:nvPr/>
+        </p:nvPicPr>
+        <p:blipFill>
+          <a:blip r:embed="rId4">
+            <a:extLst>
+              <a:ext uri="{28A0092B-C50C-407E-A947-70E740481C1C}">
+                <a14:useLocalDpi xmlns:a14="http://schemas.microsoft.com/office/drawing/2010/main" val="0"/>
+              </a:ext>
+            </a:extLst>
+          </a:blip>
+          <a:stretch>
+            <a:fillRect/>
+          </a:stretch>
+        </p:blipFill>
+        <p:spPr>
+          <a:xfrm>
+            <a:off x="7655383" y="3371822"/>
+            <a:ext cx="4416417" cy="3312314"/>
+          </a:xfrm>
+          <a:prstGeom prst="rect">
+            <a:avLst/>
+          </a:prstGeom>
+        </p:spPr>
+      </p:pic>
     </p:spTree>
     <p:extLst>
       <p:ext uri="{BB962C8B-B14F-4D97-AF65-F5344CB8AC3E}">

--- a/task_2/output/Presentation Template.pptx
+++ b/task_2/output/Presentation Template.pptx
@@ -134,7 +134,7 @@
           <p:cNvPr id="2" name="Title 1">
             <a:extLst>
               <a:ext uri="{FF2B5EF4-FFF2-40B4-BE49-F238E27FC236}">
-                <a16:creationId xmlns="" xmlns:a16="http://schemas.microsoft.com/office/drawing/2014/main" id="{0E1CB125-2F04-85CC-B9E4-859AD27DD3DF}"/>
+                <a16:creationId xmlns:a16="http://schemas.microsoft.com/office/drawing/2014/main" xmlns="" id="{0E1CB125-2F04-85CC-B9E4-859AD27DD3DF}"/>
               </a:ext>
             </a:extLst>
           </p:cNvPr>
@@ -172,7 +172,7 @@
           <p:cNvPr id="3" name="Subtitle 2">
             <a:extLst>
               <a:ext uri="{FF2B5EF4-FFF2-40B4-BE49-F238E27FC236}">
-                <a16:creationId xmlns="" xmlns:a16="http://schemas.microsoft.com/office/drawing/2014/main" id="{968CF164-6A92-3964-A2E5-CD439A60E8D6}"/>
+                <a16:creationId xmlns:a16="http://schemas.microsoft.com/office/drawing/2014/main" xmlns="" id="{968CF164-6A92-3964-A2E5-CD439A60E8D6}"/>
               </a:ext>
             </a:extLst>
           </p:cNvPr>
@@ -243,7 +243,7 @@
           <p:cNvPr id="4" name="Date Placeholder 3">
             <a:extLst>
               <a:ext uri="{FF2B5EF4-FFF2-40B4-BE49-F238E27FC236}">
-                <a16:creationId xmlns="" xmlns:a16="http://schemas.microsoft.com/office/drawing/2014/main" id="{CF666AE8-A5E4-529C-376D-A7F21A81DCA8}"/>
+                <a16:creationId xmlns:a16="http://schemas.microsoft.com/office/drawing/2014/main" xmlns="" id="{CF666AE8-A5E4-529C-376D-A7F21A81DCA8}"/>
               </a:ext>
             </a:extLst>
           </p:cNvPr>
@@ -261,7 +261,7 @@
           <a:p>
             <a:fld id="{6670FE10-F406-47AF-8AE1-E9BA4C7E25F2}" type="datetimeFigureOut">
               <a:rPr lang="en-GB" smtClean="0"/>
-              <a:t>10/03/2023</a:t>
+              <a:t>11/03/2023</a:t>
             </a:fld>
             <a:endParaRPr lang="en-GB" dirty="0"/>
           </a:p>
@@ -272,7 +272,7 @@
           <p:cNvPr id="5" name="Footer Placeholder 4">
             <a:extLst>
               <a:ext uri="{FF2B5EF4-FFF2-40B4-BE49-F238E27FC236}">
-                <a16:creationId xmlns="" xmlns:a16="http://schemas.microsoft.com/office/drawing/2014/main" id="{C631255B-22D2-BFD0-6E2B-2CB909435FC6}"/>
+                <a16:creationId xmlns:a16="http://schemas.microsoft.com/office/drawing/2014/main" xmlns="" id="{C631255B-22D2-BFD0-6E2B-2CB909435FC6}"/>
               </a:ext>
             </a:extLst>
           </p:cNvPr>
@@ -300,7 +300,7 @@
           <p:cNvPr id="6" name="Slide Number Placeholder 5">
             <a:extLst>
               <a:ext uri="{FF2B5EF4-FFF2-40B4-BE49-F238E27FC236}">
-                <a16:creationId xmlns="" xmlns:a16="http://schemas.microsoft.com/office/drawing/2014/main" id="{8B6AC3F9-8084-22E7-D885-8B98F38D04B0}"/>
+                <a16:creationId xmlns:a16="http://schemas.microsoft.com/office/drawing/2014/main" xmlns="" id="{8B6AC3F9-8084-22E7-D885-8B98F38D04B0}"/>
               </a:ext>
             </a:extLst>
           </p:cNvPr>
@@ -329,7 +329,7 @@
           <p:cNvPr id="7" name="Footer Placeholder 4">
             <a:extLst>
               <a:ext uri="{FF2B5EF4-FFF2-40B4-BE49-F238E27FC236}">
-                <a16:creationId xmlns="" xmlns:a16="http://schemas.microsoft.com/office/drawing/2014/main" id="{34687BFD-2914-5915-09E8-574865A5731A}"/>
+                <a16:creationId xmlns:a16="http://schemas.microsoft.com/office/drawing/2014/main" xmlns="" id="{34687BFD-2914-5915-09E8-574865A5731A}"/>
               </a:ext>
             </a:extLst>
           </p:cNvPr>
@@ -490,7 +490,7 @@
           <p:cNvPr id="2" name="Title 1">
             <a:extLst>
               <a:ext uri="{FF2B5EF4-FFF2-40B4-BE49-F238E27FC236}">
-                <a16:creationId xmlns="" xmlns:a16="http://schemas.microsoft.com/office/drawing/2014/main" id="{C98F7736-4A28-81E7-C82E-E08B9124291F}"/>
+                <a16:creationId xmlns:a16="http://schemas.microsoft.com/office/drawing/2014/main" xmlns="" id="{C98F7736-4A28-81E7-C82E-E08B9124291F}"/>
               </a:ext>
             </a:extLst>
           </p:cNvPr>
@@ -519,7 +519,7 @@
           <p:cNvPr id="3" name="Vertical Text Placeholder 2">
             <a:extLst>
               <a:ext uri="{FF2B5EF4-FFF2-40B4-BE49-F238E27FC236}">
-                <a16:creationId xmlns="" xmlns:a16="http://schemas.microsoft.com/office/drawing/2014/main" id="{47BF6A39-8901-64F9-CB89-5DEDADC71459}"/>
+                <a16:creationId xmlns:a16="http://schemas.microsoft.com/office/drawing/2014/main" xmlns="" id="{47BF6A39-8901-64F9-CB89-5DEDADC71459}"/>
               </a:ext>
             </a:extLst>
           </p:cNvPr>
@@ -577,7 +577,7 @@
           <p:cNvPr id="4" name="Date Placeholder 3">
             <a:extLst>
               <a:ext uri="{FF2B5EF4-FFF2-40B4-BE49-F238E27FC236}">
-                <a16:creationId xmlns="" xmlns:a16="http://schemas.microsoft.com/office/drawing/2014/main" id="{79DCAC13-CEF5-615F-7188-2FF616782B18}"/>
+                <a16:creationId xmlns:a16="http://schemas.microsoft.com/office/drawing/2014/main" xmlns="" id="{79DCAC13-CEF5-615F-7188-2FF616782B18}"/>
               </a:ext>
             </a:extLst>
           </p:cNvPr>
@@ -595,7 +595,7 @@
           <a:p>
             <a:fld id="{6670FE10-F406-47AF-8AE1-E9BA4C7E25F2}" type="datetimeFigureOut">
               <a:rPr lang="en-GB" smtClean="0"/>
-              <a:t>10/03/2023</a:t>
+              <a:t>11/03/2023</a:t>
             </a:fld>
             <a:endParaRPr lang="en-GB"/>
           </a:p>
@@ -606,7 +606,7 @@
           <p:cNvPr id="5" name="Footer Placeholder 4">
             <a:extLst>
               <a:ext uri="{FF2B5EF4-FFF2-40B4-BE49-F238E27FC236}">
-                <a16:creationId xmlns="" xmlns:a16="http://schemas.microsoft.com/office/drawing/2014/main" id="{12A0B23E-BB41-954A-D844-68F59222D930}"/>
+                <a16:creationId xmlns:a16="http://schemas.microsoft.com/office/drawing/2014/main" xmlns="" id="{12A0B23E-BB41-954A-D844-68F59222D930}"/>
               </a:ext>
             </a:extLst>
           </p:cNvPr>
@@ -631,7 +631,7 @@
           <p:cNvPr id="6" name="Slide Number Placeholder 5">
             <a:extLst>
               <a:ext uri="{FF2B5EF4-FFF2-40B4-BE49-F238E27FC236}">
-                <a16:creationId xmlns="" xmlns:a16="http://schemas.microsoft.com/office/drawing/2014/main" id="{781B89A1-9BF9-CB79-4981-4A057B60A758}"/>
+                <a16:creationId xmlns:a16="http://schemas.microsoft.com/office/drawing/2014/main" xmlns="" id="{781B89A1-9BF9-CB79-4981-4A057B60A758}"/>
               </a:ext>
             </a:extLst>
           </p:cNvPr>
@@ -690,7 +690,7 @@
           <p:cNvPr id="2" name="Vertical Title 1">
             <a:extLst>
               <a:ext uri="{FF2B5EF4-FFF2-40B4-BE49-F238E27FC236}">
-                <a16:creationId xmlns="" xmlns:a16="http://schemas.microsoft.com/office/drawing/2014/main" id="{B333CEA5-A5BC-42F6-9417-DE058EAF38DB}"/>
+                <a16:creationId xmlns:a16="http://schemas.microsoft.com/office/drawing/2014/main" xmlns="" id="{B333CEA5-A5BC-42F6-9417-DE058EAF38DB}"/>
               </a:ext>
             </a:extLst>
           </p:cNvPr>
@@ -724,7 +724,7 @@
           <p:cNvPr id="3" name="Vertical Text Placeholder 2">
             <a:extLst>
               <a:ext uri="{FF2B5EF4-FFF2-40B4-BE49-F238E27FC236}">
-                <a16:creationId xmlns="" xmlns:a16="http://schemas.microsoft.com/office/drawing/2014/main" id="{39B20003-77E7-76F4-127A-9FAD2038EF14}"/>
+                <a16:creationId xmlns:a16="http://schemas.microsoft.com/office/drawing/2014/main" xmlns="" id="{39B20003-77E7-76F4-127A-9FAD2038EF14}"/>
               </a:ext>
             </a:extLst>
           </p:cNvPr>
@@ -787,7 +787,7 @@
           <p:cNvPr id="4" name="Date Placeholder 3">
             <a:extLst>
               <a:ext uri="{FF2B5EF4-FFF2-40B4-BE49-F238E27FC236}">
-                <a16:creationId xmlns="" xmlns:a16="http://schemas.microsoft.com/office/drawing/2014/main" id="{D6F2C76B-2410-6DF5-E769-3F1375B9F60C}"/>
+                <a16:creationId xmlns:a16="http://schemas.microsoft.com/office/drawing/2014/main" xmlns="" id="{D6F2C76B-2410-6DF5-E769-3F1375B9F60C}"/>
               </a:ext>
             </a:extLst>
           </p:cNvPr>
@@ -805,7 +805,7 @@
           <a:p>
             <a:fld id="{6670FE10-F406-47AF-8AE1-E9BA4C7E25F2}" type="datetimeFigureOut">
               <a:rPr lang="en-GB" smtClean="0"/>
-              <a:t>10/03/2023</a:t>
+              <a:t>11/03/2023</a:t>
             </a:fld>
             <a:endParaRPr lang="en-GB"/>
           </a:p>
@@ -816,7 +816,7 @@
           <p:cNvPr id="5" name="Footer Placeholder 4">
             <a:extLst>
               <a:ext uri="{FF2B5EF4-FFF2-40B4-BE49-F238E27FC236}">
-                <a16:creationId xmlns="" xmlns:a16="http://schemas.microsoft.com/office/drawing/2014/main" id="{989A810E-232E-6F62-BDC3-DA16DA4EE14C}"/>
+                <a16:creationId xmlns:a16="http://schemas.microsoft.com/office/drawing/2014/main" xmlns="" id="{989A810E-232E-6F62-BDC3-DA16DA4EE14C}"/>
               </a:ext>
             </a:extLst>
           </p:cNvPr>
@@ -841,7 +841,7 @@
           <p:cNvPr id="6" name="Slide Number Placeholder 5">
             <a:extLst>
               <a:ext uri="{FF2B5EF4-FFF2-40B4-BE49-F238E27FC236}">
-                <a16:creationId xmlns="" xmlns:a16="http://schemas.microsoft.com/office/drawing/2014/main" id="{D809F2B8-DDB4-2806-89D5-BFB2856E1266}"/>
+                <a16:creationId xmlns:a16="http://schemas.microsoft.com/office/drawing/2014/main" xmlns="" id="{D809F2B8-DDB4-2806-89D5-BFB2856E1266}"/>
               </a:ext>
             </a:extLst>
           </p:cNvPr>
@@ -900,7 +900,7 @@
           <p:cNvPr id="2" name="Title 1">
             <a:extLst>
               <a:ext uri="{FF2B5EF4-FFF2-40B4-BE49-F238E27FC236}">
-                <a16:creationId xmlns="" xmlns:a16="http://schemas.microsoft.com/office/drawing/2014/main" id="{32B96570-1523-0FD3-BC20-287B4073C611}"/>
+                <a16:creationId xmlns:a16="http://schemas.microsoft.com/office/drawing/2014/main" xmlns="" id="{32B96570-1523-0FD3-BC20-287B4073C611}"/>
               </a:ext>
             </a:extLst>
           </p:cNvPr>
@@ -929,7 +929,7 @@
           <p:cNvPr id="3" name="Content Placeholder 2">
             <a:extLst>
               <a:ext uri="{FF2B5EF4-FFF2-40B4-BE49-F238E27FC236}">
-                <a16:creationId xmlns="" xmlns:a16="http://schemas.microsoft.com/office/drawing/2014/main" id="{8D0B1C4E-5C84-9734-9EE1-BF86FB5C5F2A}"/>
+                <a16:creationId xmlns:a16="http://schemas.microsoft.com/office/drawing/2014/main" xmlns="" id="{8D0B1C4E-5C84-9734-9EE1-BF86FB5C5F2A}"/>
               </a:ext>
             </a:extLst>
           </p:cNvPr>
@@ -987,7 +987,7 @@
           <p:cNvPr id="4" name="Date Placeholder 3">
             <a:extLst>
               <a:ext uri="{FF2B5EF4-FFF2-40B4-BE49-F238E27FC236}">
-                <a16:creationId xmlns="" xmlns:a16="http://schemas.microsoft.com/office/drawing/2014/main" id="{22056992-9D89-2C0C-4C2C-BAE80A944102}"/>
+                <a16:creationId xmlns:a16="http://schemas.microsoft.com/office/drawing/2014/main" xmlns="" id="{22056992-9D89-2C0C-4C2C-BAE80A944102}"/>
               </a:ext>
             </a:extLst>
           </p:cNvPr>
@@ -1005,7 +1005,7 @@
           <a:p>
             <a:fld id="{6670FE10-F406-47AF-8AE1-E9BA4C7E25F2}" type="datetimeFigureOut">
               <a:rPr lang="en-GB" smtClean="0"/>
-              <a:t>10/03/2023</a:t>
+              <a:t>11/03/2023</a:t>
             </a:fld>
             <a:endParaRPr lang="en-GB"/>
           </a:p>
@@ -1016,7 +1016,7 @@
           <p:cNvPr id="5" name="Footer Placeholder 4">
             <a:extLst>
               <a:ext uri="{FF2B5EF4-FFF2-40B4-BE49-F238E27FC236}">
-                <a16:creationId xmlns="" xmlns:a16="http://schemas.microsoft.com/office/drawing/2014/main" id="{74DFFCB4-8863-0CCB-49C4-B6B7CD564D67}"/>
+                <a16:creationId xmlns:a16="http://schemas.microsoft.com/office/drawing/2014/main" xmlns="" id="{74DFFCB4-8863-0CCB-49C4-B6B7CD564D67}"/>
               </a:ext>
             </a:extLst>
           </p:cNvPr>
@@ -1041,7 +1041,7 @@
           <p:cNvPr id="6" name="Slide Number Placeholder 5">
             <a:extLst>
               <a:ext uri="{FF2B5EF4-FFF2-40B4-BE49-F238E27FC236}">
-                <a16:creationId xmlns="" xmlns:a16="http://schemas.microsoft.com/office/drawing/2014/main" id="{E36F401C-D4D3-3500-4073-E532BD9F1FD6}"/>
+                <a16:creationId xmlns:a16="http://schemas.microsoft.com/office/drawing/2014/main" xmlns="" id="{E36F401C-D4D3-3500-4073-E532BD9F1FD6}"/>
               </a:ext>
             </a:extLst>
           </p:cNvPr>
@@ -1070,7 +1070,7 @@
           <p:cNvPr id="7" name="Footer Placeholder 4">
             <a:extLst>
               <a:ext uri="{FF2B5EF4-FFF2-40B4-BE49-F238E27FC236}">
-                <a16:creationId xmlns="" xmlns:a16="http://schemas.microsoft.com/office/drawing/2014/main" id="{844B232F-D5B6-DEFE-8440-A43739EF1CB4}"/>
+                <a16:creationId xmlns:a16="http://schemas.microsoft.com/office/drawing/2014/main" xmlns="" id="{844B232F-D5B6-DEFE-8440-A43739EF1CB4}"/>
               </a:ext>
             </a:extLst>
           </p:cNvPr>
@@ -1231,7 +1231,7 @@
           <p:cNvPr id="2" name="Title 1">
             <a:extLst>
               <a:ext uri="{FF2B5EF4-FFF2-40B4-BE49-F238E27FC236}">
-                <a16:creationId xmlns="" xmlns:a16="http://schemas.microsoft.com/office/drawing/2014/main" id="{ACA9419F-3AA8-7780-4AB2-0778AAAFC21C}"/>
+                <a16:creationId xmlns:a16="http://schemas.microsoft.com/office/drawing/2014/main" xmlns="" id="{ACA9419F-3AA8-7780-4AB2-0778AAAFC21C}"/>
               </a:ext>
             </a:extLst>
           </p:cNvPr>
@@ -1269,7 +1269,7 @@
           <p:cNvPr id="3" name="Text Placeholder 2">
             <a:extLst>
               <a:ext uri="{FF2B5EF4-FFF2-40B4-BE49-F238E27FC236}">
-                <a16:creationId xmlns="" xmlns:a16="http://schemas.microsoft.com/office/drawing/2014/main" id="{F7210246-D5F0-A37C-2B2C-D6A6D3CB30DD}"/>
+                <a16:creationId xmlns:a16="http://schemas.microsoft.com/office/drawing/2014/main" xmlns="" id="{F7210246-D5F0-A37C-2B2C-D6A6D3CB30DD}"/>
               </a:ext>
             </a:extLst>
           </p:cNvPr>
@@ -1394,7 +1394,7 @@
           <p:cNvPr id="4" name="Date Placeholder 3">
             <a:extLst>
               <a:ext uri="{FF2B5EF4-FFF2-40B4-BE49-F238E27FC236}">
-                <a16:creationId xmlns="" xmlns:a16="http://schemas.microsoft.com/office/drawing/2014/main" id="{EE42C001-3FCB-0E6B-9E1F-20622B91CBC3}"/>
+                <a16:creationId xmlns:a16="http://schemas.microsoft.com/office/drawing/2014/main" xmlns="" id="{EE42C001-3FCB-0E6B-9E1F-20622B91CBC3}"/>
               </a:ext>
             </a:extLst>
           </p:cNvPr>
@@ -1412,7 +1412,7 @@
           <a:p>
             <a:fld id="{6670FE10-F406-47AF-8AE1-E9BA4C7E25F2}" type="datetimeFigureOut">
               <a:rPr lang="en-GB" smtClean="0"/>
-              <a:t>10/03/2023</a:t>
+              <a:t>11/03/2023</a:t>
             </a:fld>
             <a:endParaRPr lang="en-GB"/>
           </a:p>
@@ -1423,7 +1423,7 @@
           <p:cNvPr id="5" name="Footer Placeholder 4">
             <a:extLst>
               <a:ext uri="{FF2B5EF4-FFF2-40B4-BE49-F238E27FC236}">
-                <a16:creationId xmlns="" xmlns:a16="http://schemas.microsoft.com/office/drawing/2014/main" id="{B80F9F14-D78E-F738-AB9A-82903D4180EC}"/>
+                <a16:creationId xmlns:a16="http://schemas.microsoft.com/office/drawing/2014/main" xmlns="" id="{B80F9F14-D78E-F738-AB9A-82903D4180EC}"/>
               </a:ext>
             </a:extLst>
           </p:cNvPr>
@@ -1448,7 +1448,7 @@
           <p:cNvPr id="6" name="Slide Number Placeholder 5">
             <a:extLst>
               <a:ext uri="{FF2B5EF4-FFF2-40B4-BE49-F238E27FC236}">
-                <a16:creationId xmlns="" xmlns:a16="http://schemas.microsoft.com/office/drawing/2014/main" id="{3DA85AB1-BB89-8FEB-4B9B-6D47D0A3306D}"/>
+                <a16:creationId xmlns:a16="http://schemas.microsoft.com/office/drawing/2014/main" xmlns="" id="{3DA85AB1-BB89-8FEB-4B9B-6D47D0A3306D}"/>
               </a:ext>
             </a:extLst>
           </p:cNvPr>
@@ -1507,7 +1507,7 @@
           <p:cNvPr id="2" name="Title 1">
             <a:extLst>
               <a:ext uri="{FF2B5EF4-FFF2-40B4-BE49-F238E27FC236}">
-                <a16:creationId xmlns="" xmlns:a16="http://schemas.microsoft.com/office/drawing/2014/main" id="{24DD90D2-E4BE-3BAB-80D6-46034DFB3151}"/>
+                <a16:creationId xmlns:a16="http://schemas.microsoft.com/office/drawing/2014/main" xmlns="" id="{24DD90D2-E4BE-3BAB-80D6-46034DFB3151}"/>
               </a:ext>
             </a:extLst>
           </p:cNvPr>
@@ -1536,7 +1536,7 @@
           <p:cNvPr id="3" name="Content Placeholder 2">
             <a:extLst>
               <a:ext uri="{FF2B5EF4-FFF2-40B4-BE49-F238E27FC236}">
-                <a16:creationId xmlns="" xmlns:a16="http://schemas.microsoft.com/office/drawing/2014/main" id="{1BE216A8-1C74-E2BB-5D51-957032134746}"/>
+                <a16:creationId xmlns:a16="http://schemas.microsoft.com/office/drawing/2014/main" xmlns="" id="{1BE216A8-1C74-E2BB-5D51-957032134746}"/>
               </a:ext>
             </a:extLst>
           </p:cNvPr>
@@ -1599,7 +1599,7 @@
           <p:cNvPr id="4" name="Content Placeholder 3">
             <a:extLst>
               <a:ext uri="{FF2B5EF4-FFF2-40B4-BE49-F238E27FC236}">
-                <a16:creationId xmlns="" xmlns:a16="http://schemas.microsoft.com/office/drawing/2014/main" id="{E482CC0D-CA4E-02C7-076E-55D511571AB6}"/>
+                <a16:creationId xmlns:a16="http://schemas.microsoft.com/office/drawing/2014/main" xmlns="" id="{E482CC0D-CA4E-02C7-076E-55D511571AB6}"/>
               </a:ext>
             </a:extLst>
           </p:cNvPr>
@@ -1662,7 +1662,7 @@
           <p:cNvPr id="5" name="Date Placeholder 4">
             <a:extLst>
               <a:ext uri="{FF2B5EF4-FFF2-40B4-BE49-F238E27FC236}">
-                <a16:creationId xmlns="" xmlns:a16="http://schemas.microsoft.com/office/drawing/2014/main" id="{70BDE4EC-111C-93BE-1438-6CDC2E8FCC78}"/>
+                <a16:creationId xmlns:a16="http://schemas.microsoft.com/office/drawing/2014/main" xmlns="" id="{70BDE4EC-111C-93BE-1438-6CDC2E8FCC78}"/>
               </a:ext>
             </a:extLst>
           </p:cNvPr>
@@ -1680,7 +1680,7 @@
           <a:p>
             <a:fld id="{6670FE10-F406-47AF-8AE1-E9BA4C7E25F2}" type="datetimeFigureOut">
               <a:rPr lang="en-GB" smtClean="0"/>
-              <a:t>10/03/2023</a:t>
+              <a:t>11/03/2023</a:t>
             </a:fld>
             <a:endParaRPr lang="en-GB"/>
           </a:p>
@@ -1691,7 +1691,7 @@
           <p:cNvPr id="6" name="Footer Placeholder 5">
             <a:extLst>
               <a:ext uri="{FF2B5EF4-FFF2-40B4-BE49-F238E27FC236}">
-                <a16:creationId xmlns="" xmlns:a16="http://schemas.microsoft.com/office/drawing/2014/main" id="{ABE612E8-024B-A8EE-5D52-CE4D6B315CBE}"/>
+                <a16:creationId xmlns:a16="http://schemas.microsoft.com/office/drawing/2014/main" xmlns="" id="{ABE612E8-024B-A8EE-5D52-CE4D6B315CBE}"/>
               </a:ext>
             </a:extLst>
           </p:cNvPr>
@@ -1716,7 +1716,7 @@
           <p:cNvPr id="7" name="Slide Number Placeholder 6">
             <a:extLst>
               <a:ext uri="{FF2B5EF4-FFF2-40B4-BE49-F238E27FC236}">
-                <a16:creationId xmlns="" xmlns:a16="http://schemas.microsoft.com/office/drawing/2014/main" id="{838136DD-9F31-209F-5224-7E8DA5ED84DF}"/>
+                <a16:creationId xmlns:a16="http://schemas.microsoft.com/office/drawing/2014/main" xmlns="" id="{838136DD-9F31-209F-5224-7E8DA5ED84DF}"/>
               </a:ext>
             </a:extLst>
           </p:cNvPr>
@@ -1775,7 +1775,7 @@
           <p:cNvPr id="2" name="Title 1">
             <a:extLst>
               <a:ext uri="{FF2B5EF4-FFF2-40B4-BE49-F238E27FC236}">
-                <a16:creationId xmlns="" xmlns:a16="http://schemas.microsoft.com/office/drawing/2014/main" id="{F0ACAF4E-854C-2F13-E1E3-1FCD814C36C1}"/>
+                <a16:creationId xmlns:a16="http://schemas.microsoft.com/office/drawing/2014/main" xmlns="" id="{F0ACAF4E-854C-2F13-E1E3-1FCD814C36C1}"/>
               </a:ext>
             </a:extLst>
           </p:cNvPr>
@@ -1809,7 +1809,7 @@
           <p:cNvPr id="3" name="Text Placeholder 2">
             <a:extLst>
               <a:ext uri="{FF2B5EF4-FFF2-40B4-BE49-F238E27FC236}">
-                <a16:creationId xmlns="" xmlns:a16="http://schemas.microsoft.com/office/drawing/2014/main" id="{55F20CA3-8962-ED78-5627-E2AFD1FA8C10}"/>
+                <a16:creationId xmlns:a16="http://schemas.microsoft.com/office/drawing/2014/main" xmlns="" id="{55F20CA3-8962-ED78-5627-E2AFD1FA8C10}"/>
               </a:ext>
             </a:extLst>
           </p:cNvPr>
@@ -1880,7 +1880,7 @@
           <p:cNvPr id="4" name="Content Placeholder 3">
             <a:extLst>
               <a:ext uri="{FF2B5EF4-FFF2-40B4-BE49-F238E27FC236}">
-                <a16:creationId xmlns="" xmlns:a16="http://schemas.microsoft.com/office/drawing/2014/main" id="{A9DFED54-B3EB-EDCE-24C1-E05D0B1AAE2D}"/>
+                <a16:creationId xmlns:a16="http://schemas.microsoft.com/office/drawing/2014/main" xmlns="" id="{A9DFED54-B3EB-EDCE-24C1-E05D0B1AAE2D}"/>
               </a:ext>
             </a:extLst>
           </p:cNvPr>
@@ -1943,7 +1943,7 @@
           <p:cNvPr id="5" name="Text Placeholder 4">
             <a:extLst>
               <a:ext uri="{FF2B5EF4-FFF2-40B4-BE49-F238E27FC236}">
-                <a16:creationId xmlns="" xmlns:a16="http://schemas.microsoft.com/office/drawing/2014/main" id="{6DB824DE-EEE0-3583-344D-DEB814DF9A03}"/>
+                <a16:creationId xmlns:a16="http://schemas.microsoft.com/office/drawing/2014/main" xmlns="" id="{6DB824DE-EEE0-3583-344D-DEB814DF9A03}"/>
               </a:ext>
             </a:extLst>
           </p:cNvPr>
@@ -2014,7 +2014,7 @@
           <p:cNvPr id="6" name="Content Placeholder 5">
             <a:extLst>
               <a:ext uri="{FF2B5EF4-FFF2-40B4-BE49-F238E27FC236}">
-                <a16:creationId xmlns="" xmlns:a16="http://schemas.microsoft.com/office/drawing/2014/main" id="{26C3C5AD-D28A-542C-CF9F-7650793A3835}"/>
+                <a16:creationId xmlns:a16="http://schemas.microsoft.com/office/drawing/2014/main" xmlns="" id="{26C3C5AD-D28A-542C-CF9F-7650793A3835}"/>
               </a:ext>
             </a:extLst>
           </p:cNvPr>
@@ -2077,7 +2077,7 @@
           <p:cNvPr id="7" name="Date Placeholder 6">
             <a:extLst>
               <a:ext uri="{FF2B5EF4-FFF2-40B4-BE49-F238E27FC236}">
-                <a16:creationId xmlns="" xmlns:a16="http://schemas.microsoft.com/office/drawing/2014/main" id="{7BCFE2E4-8192-9EA2-4489-80F4A15EFB6B}"/>
+                <a16:creationId xmlns:a16="http://schemas.microsoft.com/office/drawing/2014/main" xmlns="" id="{7BCFE2E4-8192-9EA2-4489-80F4A15EFB6B}"/>
               </a:ext>
             </a:extLst>
           </p:cNvPr>
@@ -2095,7 +2095,7 @@
           <a:p>
             <a:fld id="{6670FE10-F406-47AF-8AE1-E9BA4C7E25F2}" type="datetimeFigureOut">
               <a:rPr lang="en-GB" smtClean="0"/>
-              <a:t>10/03/2023</a:t>
+              <a:t>11/03/2023</a:t>
             </a:fld>
             <a:endParaRPr lang="en-GB"/>
           </a:p>
@@ -2106,7 +2106,7 @@
           <p:cNvPr id="8" name="Footer Placeholder 7">
             <a:extLst>
               <a:ext uri="{FF2B5EF4-FFF2-40B4-BE49-F238E27FC236}">
-                <a16:creationId xmlns="" xmlns:a16="http://schemas.microsoft.com/office/drawing/2014/main" id="{0124C7DB-3AF1-24E1-DCBE-207B96CA5B37}"/>
+                <a16:creationId xmlns:a16="http://schemas.microsoft.com/office/drawing/2014/main" xmlns="" id="{0124C7DB-3AF1-24E1-DCBE-207B96CA5B37}"/>
               </a:ext>
             </a:extLst>
           </p:cNvPr>
@@ -2131,7 +2131,7 @@
           <p:cNvPr id="9" name="Slide Number Placeholder 8">
             <a:extLst>
               <a:ext uri="{FF2B5EF4-FFF2-40B4-BE49-F238E27FC236}">
-                <a16:creationId xmlns="" xmlns:a16="http://schemas.microsoft.com/office/drawing/2014/main" id="{F0FA5518-D3AE-F720-2BE0-3F9DB2DFA9EF}"/>
+                <a16:creationId xmlns:a16="http://schemas.microsoft.com/office/drawing/2014/main" xmlns="" id="{F0FA5518-D3AE-F720-2BE0-3F9DB2DFA9EF}"/>
               </a:ext>
             </a:extLst>
           </p:cNvPr>
@@ -2190,7 +2190,7 @@
           <p:cNvPr id="2" name="Title 1">
             <a:extLst>
               <a:ext uri="{FF2B5EF4-FFF2-40B4-BE49-F238E27FC236}">
-                <a16:creationId xmlns="" xmlns:a16="http://schemas.microsoft.com/office/drawing/2014/main" id="{CDBB8F10-4EB4-0C0F-03BF-F531D235ADC4}"/>
+                <a16:creationId xmlns:a16="http://schemas.microsoft.com/office/drawing/2014/main" xmlns="" id="{CDBB8F10-4EB4-0C0F-03BF-F531D235ADC4}"/>
               </a:ext>
             </a:extLst>
           </p:cNvPr>
@@ -2219,7 +2219,7 @@
           <p:cNvPr id="3" name="Date Placeholder 2">
             <a:extLst>
               <a:ext uri="{FF2B5EF4-FFF2-40B4-BE49-F238E27FC236}">
-                <a16:creationId xmlns="" xmlns:a16="http://schemas.microsoft.com/office/drawing/2014/main" id="{0F1CEF92-A5CC-B946-CAFC-8C36EB5A1CA9}"/>
+                <a16:creationId xmlns:a16="http://schemas.microsoft.com/office/drawing/2014/main" xmlns="" id="{0F1CEF92-A5CC-B946-CAFC-8C36EB5A1CA9}"/>
               </a:ext>
             </a:extLst>
           </p:cNvPr>
@@ -2237,7 +2237,7 @@
           <a:p>
             <a:fld id="{6670FE10-F406-47AF-8AE1-E9BA4C7E25F2}" type="datetimeFigureOut">
               <a:rPr lang="en-GB" smtClean="0"/>
-              <a:t>10/03/2023</a:t>
+              <a:t>11/03/2023</a:t>
             </a:fld>
             <a:endParaRPr lang="en-GB"/>
           </a:p>
@@ -2248,7 +2248,7 @@
           <p:cNvPr id="4" name="Footer Placeholder 3">
             <a:extLst>
               <a:ext uri="{FF2B5EF4-FFF2-40B4-BE49-F238E27FC236}">
-                <a16:creationId xmlns="" xmlns:a16="http://schemas.microsoft.com/office/drawing/2014/main" id="{79B0AED2-981A-D1A1-3051-5903B7A77705}"/>
+                <a16:creationId xmlns:a16="http://schemas.microsoft.com/office/drawing/2014/main" xmlns="" id="{79B0AED2-981A-D1A1-3051-5903B7A77705}"/>
               </a:ext>
             </a:extLst>
           </p:cNvPr>
@@ -2273,7 +2273,7 @@
           <p:cNvPr id="5" name="Slide Number Placeholder 4">
             <a:extLst>
               <a:ext uri="{FF2B5EF4-FFF2-40B4-BE49-F238E27FC236}">
-                <a16:creationId xmlns="" xmlns:a16="http://schemas.microsoft.com/office/drawing/2014/main" id="{30C34D5F-9056-9555-8436-92D63EF82CE5}"/>
+                <a16:creationId xmlns:a16="http://schemas.microsoft.com/office/drawing/2014/main" xmlns="" id="{30C34D5F-9056-9555-8436-92D63EF82CE5}"/>
               </a:ext>
             </a:extLst>
           </p:cNvPr>
@@ -2332,7 +2332,7 @@
           <p:cNvPr id="2" name="Date Placeholder 1">
             <a:extLst>
               <a:ext uri="{FF2B5EF4-FFF2-40B4-BE49-F238E27FC236}">
-                <a16:creationId xmlns="" xmlns:a16="http://schemas.microsoft.com/office/drawing/2014/main" id="{B730EC6A-6AD6-AA45-F17C-03F69F0BC0B1}"/>
+                <a16:creationId xmlns:a16="http://schemas.microsoft.com/office/drawing/2014/main" xmlns="" id="{B730EC6A-6AD6-AA45-F17C-03F69F0BC0B1}"/>
               </a:ext>
             </a:extLst>
           </p:cNvPr>
@@ -2350,7 +2350,7 @@
           <a:p>
             <a:fld id="{6670FE10-F406-47AF-8AE1-E9BA4C7E25F2}" type="datetimeFigureOut">
               <a:rPr lang="en-GB" smtClean="0"/>
-              <a:t>10/03/2023</a:t>
+              <a:t>11/03/2023</a:t>
             </a:fld>
             <a:endParaRPr lang="en-GB"/>
           </a:p>
@@ -2361,7 +2361,7 @@
           <p:cNvPr id="3" name="Footer Placeholder 2">
             <a:extLst>
               <a:ext uri="{FF2B5EF4-FFF2-40B4-BE49-F238E27FC236}">
-                <a16:creationId xmlns="" xmlns:a16="http://schemas.microsoft.com/office/drawing/2014/main" id="{4CE86569-C17C-085A-6CBC-D1C4A1862CB5}"/>
+                <a16:creationId xmlns:a16="http://schemas.microsoft.com/office/drawing/2014/main" xmlns="" id="{4CE86569-C17C-085A-6CBC-D1C4A1862CB5}"/>
               </a:ext>
             </a:extLst>
           </p:cNvPr>
@@ -2386,7 +2386,7 @@
           <p:cNvPr id="4" name="Slide Number Placeholder 3">
             <a:extLst>
               <a:ext uri="{FF2B5EF4-FFF2-40B4-BE49-F238E27FC236}">
-                <a16:creationId xmlns="" xmlns:a16="http://schemas.microsoft.com/office/drawing/2014/main" id="{78D85FA6-E886-1316-E77C-F547D63906B5}"/>
+                <a16:creationId xmlns:a16="http://schemas.microsoft.com/office/drawing/2014/main" xmlns="" id="{78D85FA6-E886-1316-E77C-F547D63906B5}"/>
               </a:ext>
             </a:extLst>
           </p:cNvPr>
@@ -2445,7 +2445,7 @@
           <p:cNvPr id="2" name="Title 1">
             <a:extLst>
               <a:ext uri="{FF2B5EF4-FFF2-40B4-BE49-F238E27FC236}">
-                <a16:creationId xmlns="" xmlns:a16="http://schemas.microsoft.com/office/drawing/2014/main" id="{0BD7938B-5BC3-3F7E-C07B-69D21045835A}"/>
+                <a16:creationId xmlns:a16="http://schemas.microsoft.com/office/drawing/2014/main" xmlns="" id="{0BD7938B-5BC3-3F7E-C07B-69D21045835A}"/>
               </a:ext>
             </a:extLst>
           </p:cNvPr>
@@ -2483,7 +2483,7 @@
           <p:cNvPr id="3" name="Content Placeholder 2">
             <a:extLst>
               <a:ext uri="{FF2B5EF4-FFF2-40B4-BE49-F238E27FC236}">
-                <a16:creationId xmlns="" xmlns:a16="http://schemas.microsoft.com/office/drawing/2014/main" id="{8BA5A36E-54F8-095F-63F4-D35F0CEA499E}"/>
+                <a16:creationId xmlns:a16="http://schemas.microsoft.com/office/drawing/2014/main" xmlns="" id="{8BA5A36E-54F8-095F-63F4-D35F0CEA499E}"/>
               </a:ext>
             </a:extLst>
           </p:cNvPr>
@@ -2574,7 +2574,7 @@
           <p:cNvPr id="4" name="Text Placeholder 3">
             <a:extLst>
               <a:ext uri="{FF2B5EF4-FFF2-40B4-BE49-F238E27FC236}">
-                <a16:creationId xmlns="" xmlns:a16="http://schemas.microsoft.com/office/drawing/2014/main" id="{6E133D28-5C98-8AD3-E53B-B46BC56EF23C}"/>
+                <a16:creationId xmlns:a16="http://schemas.microsoft.com/office/drawing/2014/main" xmlns="" id="{6E133D28-5C98-8AD3-E53B-B46BC56EF23C}"/>
               </a:ext>
             </a:extLst>
           </p:cNvPr>
@@ -2645,7 +2645,7 @@
           <p:cNvPr id="5" name="Date Placeholder 4">
             <a:extLst>
               <a:ext uri="{FF2B5EF4-FFF2-40B4-BE49-F238E27FC236}">
-                <a16:creationId xmlns="" xmlns:a16="http://schemas.microsoft.com/office/drawing/2014/main" id="{5B6D2A4C-20E2-A896-97ED-F88A7A2385FF}"/>
+                <a16:creationId xmlns:a16="http://schemas.microsoft.com/office/drawing/2014/main" xmlns="" id="{5B6D2A4C-20E2-A896-97ED-F88A7A2385FF}"/>
               </a:ext>
             </a:extLst>
           </p:cNvPr>
@@ -2663,7 +2663,7 @@
           <a:p>
             <a:fld id="{6670FE10-F406-47AF-8AE1-E9BA4C7E25F2}" type="datetimeFigureOut">
               <a:rPr lang="en-GB" smtClean="0"/>
-              <a:t>10/03/2023</a:t>
+              <a:t>11/03/2023</a:t>
             </a:fld>
             <a:endParaRPr lang="en-GB"/>
           </a:p>
@@ -2674,7 +2674,7 @@
           <p:cNvPr id="6" name="Footer Placeholder 5">
             <a:extLst>
               <a:ext uri="{FF2B5EF4-FFF2-40B4-BE49-F238E27FC236}">
-                <a16:creationId xmlns="" xmlns:a16="http://schemas.microsoft.com/office/drawing/2014/main" id="{ED56FC89-B6CF-07FC-4053-C9A2B6E43753}"/>
+                <a16:creationId xmlns:a16="http://schemas.microsoft.com/office/drawing/2014/main" xmlns="" id="{ED56FC89-B6CF-07FC-4053-C9A2B6E43753}"/>
               </a:ext>
             </a:extLst>
           </p:cNvPr>
@@ -2699,7 +2699,7 @@
           <p:cNvPr id="7" name="Slide Number Placeholder 6">
             <a:extLst>
               <a:ext uri="{FF2B5EF4-FFF2-40B4-BE49-F238E27FC236}">
-                <a16:creationId xmlns="" xmlns:a16="http://schemas.microsoft.com/office/drawing/2014/main" id="{C6B4ECD2-23D6-A678-D6E6-CC8E80A4100C}"/>
+                <a16:creationId xmlns:a16="http://schemas.microsoft.com/office/drawing/2014/main" xmlns="" id="{C6B4ECD2-23D6-A678-D6E6-CC8E80A4100C}"/>
               </a:ext>
             </a:extLst>
           </p:cNvPr>
@@ -2758,7 +2758,7 @@
           <p:cNvPr id="2" name="Title 1">
             <a:extLst>
               <a:ext uri="{FF2B5EF4-FFF2-40B4-BE49-F238E27FC236}">
-                <a16:creationId xmlns="" xmlns:a16="http://schemas.microsoft.com/office/drawing/2014/main" id="{486D62C0-B9AF-01E3-3121-5E4CEC456534}"/>
+                <a16:creationId xmlns:a16="http://schemas.microsoft.com/office/drawing/2014/main" xmlns="" id="{486D62C0-B9AF-01E3-3121-5E4CEC456534}"/>
               </a:ext>
             </a:extLst>
           </p:cNvPr>
@@ -2796,7 +2796,7 @@
           <p:cNvPr id="3" name="Picture Placeholder 2">
             <a:extLst>
               <a:ext uri="{FF2B5EF4-FFF2-40B4-BE49-F238E27FC236}">
-                <a16:creationId xmlns="" xmlns:a16="http://schemas.microsoft.com/office/drawing/2014/main" id="{C01E6429-9B79-A736-0B9D-B13183DAC690}"/>
+                <a16:creationId xmlns:a16="http://schemas.microsoft.com/office/drawing/2014/main" xmlns="" id="{C01E6429-9B79-A736-0B9D-B13183DAC690}"/>
               </a:ext>
             </a:extLst>
           </p:cNvPr>
@@ -2863,7 +2863,7 @@
           <p:cNvPr id="4" name="Text Placeholder 3">
             <a:extLst>
               <a:ext uri="{FF2B5EF4-FFF2-40B4-BE49-F238E27FC236}">
-                <a16:creationId xmlns="" xmlns:a16="http://schemas.microsoft.com/office/drawing/2014/main" id="{A38859E1-EE15-4687-0846-74724C476ED6}"/>
+                <a16:creationId xmlns:a16="http://schemas.microsoft.com/office/drawing/2014/main" xmlns="" id="{A38859E1-EE15-4687-0846-74724C476ED6}"/>
               </a:ext>
             </a:extLst>
           </p:cNvPr>
@@ -2934,7 +2934,7 @@
           <p:cNvPr id="5" name="Date Placeholder 4">
             <a:extLst>
               <a:ext uri="{FF2B5EF4-FFF2-40B4-BE49-F238E27FC236}">
-                <a16:creationId xmlns="" xmlns:a16="http://schemas.microsoft.com/office/drawing/2014/main" id="{CFB76135-5B72-1EEF-F390-24A30E0C2784}"/>
+                <a16:creationId xmlns:a16="http://schemas.microsoft.com/office/drawing/2014/main" xmlns="" id="{CFB76135-5B72-1EEF-F390-24A30E0C2784}"/>
               </a:ext>
             </a:extLst>
           </p:cNvPr>
@@ -2952,7 +2952,7 @@
           <a:p>
             <a:fld id="{6670FE10-F406-47AF-8AE1-E9BA4C7E25F2}" type="datetimeFigureOut">
               <a:rPr lang="en-GB" smtClean="0"/>
-              <a:t>10/03/2023</a:t>
+              <a:t>11/03/2023</a:t>
             </a:fld>
             <a:endParaRPr lang="en-GB"/>
           </a:p>
@@ -2963,7 +2963,7 @@
           <p:cNvPr id="6" name="Footer Placeholder 5">
             <a:extLst>
               <a:ext uri="{FF2B5EF4-FFF2-40B4-BE49-F238E27FC236}">
-                <a16:creationId xmlns="" xmlns:a16="http://schemas.microsoft.com/office/drawing/2014/main" id="{35886E81-CAA3-CA1B-34FD-D779E0A78C49}"/>
+                <a16:creationId xmlns:a16="http://schemas.microsoft.com/office/drawing/2014/main" xmlns="" id="{35886E81-CAA3-CA1B-34FD-D779E0A78C49}"/>
               </a:ext>
             </a:extLst>
           </p:cNvPr>
@@ -2988,7 +2988,7 @@
           <p:cNvPr id="7" name="Slide Number Placeholder 6">
             <a:extLst>
               <a:ext uri="{FF2B5EF4-FFF2-40B4-BE49-F238E27FC236}">
-                <a16:creationId xmlns="" xmlns:a16="http://schemas.microsoft.com/office/drawing/2014/main" id="{55CACC89-7C0E-4493-8D29-3D8652C25C7A}"/>
+                <a16:creationId xmlns:a16="http://schemas.microsoft.com/office/drawing/2014/main" xmlns="" id="{55CACC89-7C0E-4493-8D29-3D8652C25C7A}"/>
               </a:ext>
             </a:extLst>
           </p:cNvPr>
@@ -3052,7 +3052,7 @@
           <p:cNvPr id="2" name="Title Placeholder 1">
             <a:extLst>
               <a:ext uri="{FF2B5EF4-FFF2-40B4-BE49-F238E27FC236}">
-                <a16:creationId xmlns="" xmlns:a16="http://schemas.microsoft.com/office/drawing/2014/main" id="{2A2A5E74-E7EA-A582-FEFF-7E8B6526EAE3}"/>
+                <a16:creationId xmlns:a16="http://schemas.microsoft.com/office/drawing/2014/main" xmlns="" id="{2A2A5E74-E7EA-A582-FEFF-7E8B6526EAE3}"/>
               </a:ext>
             </a:extLst>
           </p:cNvPr>
@@ -3091,7 +3091,7 @@
           <p:cNvPr id="3" name="Text Placeholder 2">
             <a:extLst>
               <a:ext uri="{FF2B5EF4-FFF2-40B4-BE49-F238E27FC236}">
-                <a16:creationId xmlns="" xmlns:a16="http://schemas.microsoft.com/office/drawing/2014/main" id="{81F34B22-10EC-C970-0CA4-B2EEE5D4462F}"/>
+                <a16:creationId xmlns:a16="http://schemas.microsoft.com/office/drawing/2014/main" xmlns="" id="{81F34B22-10EC-C970-0CA4-B2EEE5D4462F}"/>
               </a:ext>
             </a:extLst>
           </p:cNvPr>
@@ -3159,7 +3159,7 @@
           <p:cNvPr id="4" name="Date Placeholder 3">
             <a:extLst>
               <a:ext uri="{FF2B5EF4-FFF2-40B4-BE49-F238E27FC236}">
-                <a16:creationId xmlns="" xmlns:a16="http://schemas.microsoft.com/office/drawing/2014/main" id="{EB568B27-F4D1-8804-8F24-49F4B5CF6401}"/>
+                <a16:creationId xmlns:a16="http://schemas.microsoft.com/office/drawing/2014/main" xmlns="" id="{EB568B27-F4D1-8804-8F24-49F4B5CF6401}"/>
               </a:ext>
             </a:extLst>
           </p:cNvPr>
@@ -3195,7 +3195,7 @@
           <a:p>
             <a:fld id="{6670FE10-F406-47AF-8AE1-E9BA4C7E25F2}" type="datetimeFigureOut">
               <a:rPr lang="en-GB" smtClean="0"/>
-              <a:t>10/03/2023</a:t>
+              <a:t>11/03/2023</a:t>
             </a:fld>
             <a:endParaRPr lang="en-GB"/>
           </a:p>
@@ -3206,7 +3206,7 @@
           <p:cNvPr id="5" name="Footer Placeholder 4">
             <a:extLst>
               <a:ext uri="{FF2B5EF4-FFF2-40B4-BE49-F238E27FC236}">
-                <a16:creationId xmlns="" xmlns:a16="http://schemas.microsoft.com/office/drawing/2014/main" id="{0FE3C49D-7C0D-DBB2-ECF5-D83556B8653A}"/>
+                <a16:creationId xmlns:a16="http://schemas.microsoft.com/office/drawing/2014/main" xmlns="" id="{0FE3C49D-7C0D-DBB2-ECF5-D83556B8653A}"/>
               </a:ext>
             </a:extLst>
           </p:cNvPr>
@@ -3249,7 +3249,7 @@
           <p:cNvPr id="6" name="Slide Number Placeholder 5">
             <a:extLst>
               <a:ext uri="{FF2B5EF4-FFF2-40B4-BE49-F238E27FC236}">
-                <a16:creationId xmlns="" xmlns:a16="http://schemas.microsoft.com/office/drawing/2014/main" id="{C8EB63AB-DEAA-1B23-7F83-4CF51358DAA8}"/>
+                <a16:creationId xmlns:a16="http://schemas.microsoft.com/office/drawing/2014/main" xmlns="" id="{C8EB63AB-DEAA-1B23-7F83-4CF51358DAA8}"/>
               </a:ext>
             </a:extLst>
           </p:cNvPr>
@@ -3617,7 +3617,7 @@
           <p:cNvPr id="2" name="Title 1">
             <a:extLst>
               <a:ext uri="{FF2B5EF4-FFF2-40B4-BE49-F238E27FC236}">
-                <a16:creationId xmlns="" xmlns:a16="http://schemas.microsoft.com/office/drawing/2014/main" id="{7BDADD12-D653-7463-3EAD-70846DE1F2CC}"/>
+                <a16:creationId xmlns:a16="http://schemas.microsoft.com/office/drawing/2014/main" xmlns="" id="{7BDADD12-D653-7463-3EAD-70846DE1F2CC}"/>
               </a:ext>
             </a:extLst>
           </p:cNvPr>
@@ -3630,8 +3630,8 @@
         </p:nvSpPr>
         <p:spPr>
           <a:xfrm>
-            <a:off x="1" y="261175"/>
-            <a:ext cx="12191998" cy="833529"/>
+            <a:off x="1" y="248297"/>
+            <a:ext cx="12191998" cy="730498"/>
           </a:xfrm>
           <a:solidFill>
             <a:schemeClr val="accent2"/>
@@ -3706,8 +3706,8 @@
         </p:nvSpPr>
         <p:spPr>
           <a:xfrm>
-            <a:off x="257577" y="5602312"/>
-            <a:ext cx="7443989" cy="923330"/>
+            <a:off x="64395" y="5756860"/>
+            <a:ext cx="7920506" cy="923330"/>
           </a:xfrm>
           <a:prstGeom prst="rect">
             <a:avLst/>
@@ -3720,9 +3720,14 @@
           </a:bodyPr>
           <a:lstStyle/>
           <a:p>
+            <a:pPr algn="just"/>
             <a:r>
               <a:rPr lang="en-US" dirty="0" smtClean="0"/>
               <a:t>From top-right to bottom left, these images shows the level of importance of each feature, the Classification Report of the model and the ROC-AUC curve of the model. </a:t>
+            </a:r>
+            <a:r>
+              <a:rPr lang="en-US" dirty="0" smtClean="0"/>
+              <a:t>Length of stay is the most important feature for the model.</a:t>
             </a:r>
             <a:endParaRPr lang="en-US" dirty="0"/>
           </a:p>
@@ -3750,8 +3755,8 @@
         </p:blipFill>
         <p:spPr>
           <a:xfrm>
-            <a:off x="180304" y="1094704"/>
-            <a:ext cx="7294776" cy="4372377"/>
+            <a:off x="64394" y="978796"/>
+            <a:ext cx="7920506" cy="4774120"/>
           </a:xfrm>
           <a:prstGeom prst="rect">
             <a:avLst/>
@@ -3774,8 +3779,8 @@
         </p:blipFill>
         <p:spPr>
           <a:xfrm>
-            <a:off x="7583256" y="1223493"/>
-            <a:ext cx="4488544" cy="2073499"/>
+            <a:off x="8023537" y="1197735"/>
+            <a:ext cx="4112657" cy="2240924"/>
           </a:xfrm>
           <a:prstGeom prst="rect">
             <a:avLst/>
@@ -3790,7 +3795,7 @@
           </p:cNvPicPr>
           <p:nvPr/>
         </p:nvPicPr>
-        <p:blipFill>
+        <p:blipFill rotWithShape="1">
           <a:blip r:embed="rId4">
             <a:extLst>
               <a:ext uri="{28A0092B-C50C-407E-A947-70E740481C1C}">
@@ -3798,14 +3803,13 @@
               </a:ext>
             </a:extLst>
           </a:blip>
-          <a:stretch>
-            <a:fillRect/>
-          </a:stretch>
+          <a:srcRect l="4541" t="5129"/>
+          <a:stretch/>
         </p:blipFill>
         <p:spPr>
           <a:xfrm>
-            <a:off x="7655383" y="3371822"/>
-            <a:ext cx="4416417" cy="3312314"/>
+            <a:off x="8062174" y="3528810"/>
+            <a:ext cx="4061141" cy="3303431"/>
           </a:xfrm>
           <a:prstGeom prst="rect">
             <a:avLst/>

--- a/task_2/output/Presentation Template.pptx
+++ b/task_2/output/Presentation Template.pptx
@@ -134,7 +134,7 @@
           <p:cNvPr id="2" name="Title 1">
             <a:extLst>
               <a:ext uri="{FF2B5EF4-FFF2-40B4-BE49-F238E27FC236}">
-                <a16:creationId xmlns:a16="http://schemas.microsoft.com/office/drawing/2014/main" xmlns="" id="{0E1CB125-2F04-85CC-B9E4-859AD27DD3DF}"/>
+                <a16:creationId xmlns="" xmlns:a16="http://schemas.microsoft.com/office/drawing/2014/main" id="{0E1CB125-2F04-85CC-B9E4-859AD27DD3DF}"/>
               </a:ext>
             </a:extLst>
           </p:cNvPr>
@@ -172,7 +172,7 @@
           <p:cNvPr id="3" name="Subtitle 2">
             <a:extLst>
               <a:ext uri="{FF2B5EF4-FFF2-40B4-BE49-F238E27FC236}">
-                <a16:creationId xmlns:a16="http://schemas.microsoft.com/office/drawing/2014/main" xmlns="" id="{968CF164-6A92-3964-A2E5-CD439A60E8D6}"/>
+                <a16:creationId xmlns="" xmlns:a16="http://schemas.microsoft.com/office/drawing/2014/main" id="{968CF164-6A92-3964-A2E5-CD439A60E8D6}"/>
               </a:ext>
             </a:extLst>
           </p:cNvPr>
@@ -243,7 +243,7 @@
           <p:cNvPr id="4" name="Date Placeholder 3">
             <a:extLst>
               <a:ext uri="{FF2B5EF4-FFF2-40B4-BE49-F238E27FC236}">
-                <a16:creationId xmlns:a16="http://schemas.microsoft.com/office/drawing/2014/main" xmlns="" id="{CF666AE8-A5E4-529C-376D-A7F21A81DCA8}"/>
+                <a16:creationId xmlns="" xmlns:a16="http://schemas.microsoft.com/office/drawing/2014/main" id="{CF666AE8-A5E4-529C-376D-A7F21A81DCA8}"/>
               </a:ext>
             </a:extLst>
           </p:cNvPr>
@@ -261,7 +261,7 @@
           <a:p>
             <a:fld id="{6670FE10-F406-47AF-8AE1-E9BA4C7E25F2}" type="datetimeFigureOut">
               <a:rPr lang="en-GB" smtClean="0"/>
-              <a:t>11/03/2023</a:t>
+              <a:t>30/03/2023</a:t>
             </a:fld>
             <a:endParaRPr lang="en-GB" dirty="0"/>
           </a:p>
@@ -272,7 +272,7 @@
           <p:cNvPr id="5" name="Footer Placeholder 4">
             <a:extLst>
               <a:ext uri="{FF2B5EF4-FFF2-40B4-BE49-F238E27FC236}">
-                <a16:creationId xmlns:a16="http://schemas.microsoft.com/office/drawing/2014/main" xmlns="" id="{C631255B-22D2-BFD0-6E2B-2CB909435FC6}"/>
+                <a16:creationId xmlns="" xmlns:a16="http://schemas.microsoft.com/office/drawing/2014/main" id="{C631255B-22D2-BFD0-6E2B-2CB909435FC6}"/>
               </a:ext>
             </a:extLst>
           </p:cNvPr>
@@ -300,7 +300,7 @@
           <p:cNvPr id="6" name="Slide Number Placeholder 5">
             <a:extLst>
               <a:ext uri="{FF2B5EF4-FFF2-40B4-BE49-F238E27FC236}">
-                <a16:creationId xmlns:a16="http://schemas.microsoft.com/office/drawing/2014/main" xmlns="" id="{8B6AC3F9-8084-22E7-D885-8B98F38D04B0}"/>
+                <a16:creationId xmlns="" xmlns:a16="http://schemas.microsoft.com/office/drawing/2014/main" id="{8B6AC3F9-8084-22E7-D885-8B98F38D04B0}"/>
               </a:ext>
             </a:extLst>
           </p:cNvPr>
@@ -329,7 +329,7 @@
           <p:cNvPr id="7" name="Footer Placeholder 4">
             <a:extLst>
               <a:ext uri="{FF2B5EF4-FFF2-40B4-BE49-F238E27FC236}">
-                <a16:creationId xmlns:a16="http://schemas.microsoft.com/office/drawing/2014/main" xmlns="" id="{34687BFD-2914-5915-09E8-574865A5731A}"/>
+                <a16:creationId xmlns="" xmlns:a16="http://schemas.microsoft.com/office/drawing/2014/main" id="{34687BFD-2914-5915-09E8-574865A5731A}"/>
               </a:ext>
             </a:extLst>
           </p:cNvPr>
@@ -490,7 +490,7 @@
           <p:cNvPr id="2" name="Title 1">
             <a:extLst>
               <a:ext uri="{FF2B5EF4-FFF2-40B4-BE49-F238E27FC236}">
-                <a16:creationId xmlns:a16="http://schemas.microsoft.com/office/drawing/2014/main" xmlns="" id="{C98F7736-4A28-81E7-C82E-E08B9124291F}"/>
+                <a16:creationId xmlns="" xmlns:a16="http://schemas.microsoft.com/office/drawing/2014/main" id="{C98F7736-4A28-81E7-C82E-E08B9124291F}"/>
               </a:ext>
             </a:extLst>
           </p:cNvPr>
@@ -519,7 +519,7 @@
           <p:cNvPr id="3" name="Vertical Text Placeholder 2">
             <a:extLst>
               <a:ext uri="{FF2B5EF4-FFF2-40B4-BE49-F238E27FC236}">
-                <a16:creationId xmlns:a16="http://schemas.microsoft.com/office/drawing/2014/main" xmlns="" id="{47BF6A39-8901-64F9-CB89-5DEDADC71459}"/>
+                <a16:creationId xmlns="" xmlns:a16="http://schemas.microsoft.com/office/drawing/2014/main" id="{47BF6A39-8901-64F9-CB89-5DEDADC71459}"/>
               </a:ext>
             </a:extLst>
           </p:cNvPr>
@@ -577,7 +577,7 @@
           <p:cNvPr id="4" name="Date Placeholder 3">
             <a:extLst>
               <a:ext uri="{FF2B5EF4-FFF2-40B4-BE49-F238E27FC236}">
-                <a16:creationId xmlns:a16="http://schemas.microsoft.com/office/drawing/2014/main" xmlns="" id="{79DCAC13-CEF5-615F-7188-2FF616782B18}"/>
+                <a16:creationId xmlns="" xmlns:a16="http://schemas.microsoft.com/office/drawing/2014/main" id="{79DCAC13-CEF5-615F-7188-2FF616782B18}"/>
               </a:ext>
             </a:extLst>
           </p:cNvPr>
@@ -595,7 +595,7 @@
           <a:p>
             <a:fld id="{6670FE10-F406-47AF-8AE1-E9BA4C7E25F2}" type="datetimeFigureOut">
               <a:rPr lang="en-GB" smtClean="0"/>
-              <a:t>11/03/2023</a:t>
+              <a:t>30/03/2023</a:t>
             </a:fld>
             <a:endParaRPr lang="en-GB"/>
           </a:p>
@@ -606,7 +606,7 @@
           <p:cNvPr id="5" name="Footer Placeholder 4">
             <a:extLst>
               <a:ext uri="{FF2B5EF4-FFF2-40B4-BE49-F238E27FC236}">
-                <a16:creationId xmlns:a16="http://schemas.microsoft.com/office/drawing/2014/main" xmlns="" id="{12A0B23E-BB41-954A-D844-68F59222D930}"/>
+                <a16:creationId xmlns="" xmlns:a16="http://schemas.microsoft.com/office/drawing/2014/main" id="{12A0B23E-BB41-954A-D844-68F59222D930}"/>
               </a:ext>
             </a:extLst>
           </p:cNvPr>
@@ -631,7 +631,7 @@
           <p:cNvPr id="6" name="Slide Number Placeholder 5">
             <a:extLst>
               <a:ext uri="{FF2B5EF4-FFF2-40B4-BE49-F238E27FC236}">
-                <a16:creationId xmlns:a16="http://schemas.microsoft.com/office/drawing/2014/main" xmlns="" id="{781B89A1-9BF9-CB79-4981-4A057B60A758}"/>
+                <a16:creationId xmlns="" xmlns:a16="http://schemas.microsoft.com/office/drawing/2014/main" id="{781B89A1-9BF9-CB79-4981-4A057B60A758}"/>
               </a:ext>
             </a:extLst>
           </p:cNvPr>
@@ -690,7 +690,7 @@
           <p:cNvPr id="2" name="Vertical Title 1">
             <a:extLst>
               <a:ext uri="{FF2B5EF4-FFF2-40B4-BE49-F238E27FC236}">
-                <a16:creationId xmlns:a16="http://schemas.microsoft.com/office/drawing/2014/main" xmlns="" id="{B333CEA5-A5BC-42F6-9417-DE058EAF38DB}"/>
+                <a16:creationId xmlns="" xmlns:a16="http://schemas.microsoft.com/office/drawing/2014/main" id="{B333CEA5-A5BC-42F6-9417-DE058EAF38DB}"/>
               </a:ext>
             </a:extLst>
           </p:cNvPr>
@@ -724,7 +724,7 @@
           <p:cNvPr id="3" name="Vertical Text Placeholder 2">
             <a:extLst>
               <a:ext uri="{FF2B5EF4-FFF2-40B4-BE49-F238E27FC236}">
-                <a16:creationId xmlns:a16="http://schemas.microsoft.com/office/drawing/2014/main" xmlns="" id="{39B20003-77E7-76F4-127A-9FAD2038EF14}"/>
+                <a16:creationId xmlns="" xmlns:a16="http://schemas.microsoft.com/office/drawing/2014/main" id="{39B20003-77E7-76F4-127A-9FAD2038EF14}"/>
               </a:ext>
             </a:extLst>
           </p:cNvPr>
@@ -787,7 +787,7 @@
           <p:cNvPr id="4" name="Date Placeholder 3">
             <a:extLst>
               <a:ext uri="{FF2B5EF4-FFF2-40B4-BE49-F238E27FC236}">
-                <a16:creationId xmlns:a16="http://schemas.microsoft.com/office/drawing/2014/main" xmlns="" id="{D6F2C76B-2410-6DF5-E769-3F1375B9F60C}"/>
+                <a16:creationId xmlns="" xmlns:a16="http://schemas.microsoft.com/office/drawing/2014/main" id="{D6F2C76B-2410-6DF5-E769-3F1375B9F60C}"/>
               </a:ext>
             </a:extLst>
           </p:cNvPr>
@@ -805,7 +805,7 @@
           <a:p>
             <a:fld id="{6670FE10-F406-47AF-8AE1-E9BA4C7E25F2}" type="datetimeFigureOut">
               <a:rPr lang="en-GB" smtClean="0"/>
-              <a:t>11/03/2023</a:t>
+              <a:t>30/03/2023</a:t>
             </a:fld>
             <a:endParaRPr lang="en-GB"/>
           </a:p>
@@ -816,7 +816,7 @@
           <p:cNvPr id="5" name="Footer Placeholder 4">
             <a:extLst>
               <a:ext uri="{FF2B5EF4-FFF2-40B4-BE49-F238E27FC236}">
-                <a16:creationId xmlns:a16="http://schemas.microsoft.com/office/drawing/2014/main" xmlns="" id="{989A810E-232E-6F62-BDC3-DA16DA4EE14C}"/>
+                <a16:creationId xmlns="" xmlns:a16="http://schemas.microsoft.com/office/drawing/2014/main" id="{989A810E-232E-6F62-BDC3-DA16DA4EE14C}"/>
               </a:ext>
             </a:extLst>
           </p:cNvPr>
@@ -841,7 +841,7 @@
           <p:cNvPr id="6" name="Slide Number Placeholder 5">
             <a:extLst>
               <a:ext uri="{FF2B5EF4-FFF2-40B4-BE49-F238E27FC236}">
-                <a16:creationId xmlns:a16="http://schemas.microsoft.com/office/drawing/2014/main" xmlns="" id="{D809F2B8-DDB4-2806-89D5-BFB2856E1266}"/>
+                <a16:creationId xmlns="" xmlns:a16="http://schemas.microsoft.com/office/drawing/2014/main" id="{D809F2B8-DDB4-2806-89D5-BFB2856E1266}"/>
               </a:ext>
             </a:extLst>
           </p:cNvPr>
@@ -900,7 +900,7 @@
           <p:cNvPr id="2" name="Title 1">
             <a:extLst>
               <a:ext uri="{FF2B5EF4-FFF2-40B4-BE49-F238E27FC236}">
-                <a16:creationId xmlns:a16="http://schemas.microsoft.com/office/drawing/2014/main" xmlns="" id="{32B96570-1523-0FD3-BC20-287B4073C611}"/>
+                <a16:creationId xmlns="" xmlns:a16="http://schemas.microsoft.com/office/drawing/2014/main" id="{32B96570-1523-0FD3-BC20-287B4073C611}"/>
               </a:ext>
             </a:extLst>
           </p:cNvPr>
@@ -929,7 +929,7 @@
           <p:cNvPr id="3" name="Content Placeholder 2">
             <a:extLst>
               <a:ext uri="{FF2B5EF4-FFF2-40B4-BE49-F238E27FC236}">
-                <a16:creationId xmlns:a16="http://schemas.microsoft.com/office/drawing/2014/main" xmlns="" id="{8D0B1C4E-5C84-9734-9EE1-BF86FB5C5F2A}"/>
+                <a16:creationId xmlns="" xmlns:a16="http://schemas.microsoft.com/office/drawing/2014/main" id="{8D0B1C4E-5C84-9734-9EE1-BF86FB5C5F2A}"/>
               </a:ext>
             </a:extLst>
           </p:cNvPr>
@@ -987,7 +987,7 @@
           <p:cNvPr id="4" name="Date Placeholder 3">
             <a:extLst>
               <a:ext uri="{FF2B5EF4-FFF2-40B4-BE49-F238E27FC236}">
-                <a16:creationId xmlns:a16="http://schemas.microsoft.com/office/drawing/2014/main" xmlns="" id="{22056992-9D89-2C0C-4C2C-BAE80A944102}"/>
+                <a16:creationId xmlns="" xmlns:a16="http://schemas.microsoft.com/office/drawing/2014/main" id="{22056992-9D89-2C0C-4C2C-BAE80A944102}"/>
               </a:ext>
             </a:extLst>
           </p:cNvPr>
@@ -1005,7 +1005,7 @@
           <a:p>
             <a:fld id="{6670FE10-F406-47AF-8AE1-E9BA4C7E25F2}" type="datetimeFigureOut">
               <a:rPr lang="en-GB" smtClean="0"/>
-              <a:t>11/03/2023</a:t>
+              <a:t>30/03/2023</a:t>
             </a:fld>
             <a:endParaRPr lang="en-GB"/>
           </a:p>
@@ -1016,7 +1016,7 @@
           <p:cNvPr id="5" name="Footer Placeholder 4">
             <a:extLst>
               <a:ext uri="{FF2B5EF4-FFF2-40B4-BE49-F238E27FC236}">
-                <a16:creationId xmlns:a16="http://schemas.microsoft.com/office/drawing/2014/main" xmlns="" id="{74DFFCB4-8863-0CCB-49C4-B6B7CD564D67}"/>
+                <a16:creationId xmlns="" xmlns:a16="http://schemas.microsoft.com/office/drawing/2014/main" id="{74DFFCB4-8863-0CCB-49C4-B6B7CD564D67}"/>
               </a:ext>
             </a:extLst>
           </p:cNvPr>
@@ -1041,7 +1041,7 @@
           <p:cNvPr id="6" name="Slide Number Placeholder 5">
             <a:extLst>
               <a:ext uri="{FF2B5EF4-FFF2-40B4-BE49-F238E27FC236}">
-                <a16:creationId xmlns:a16="http://schemas.microsoft.com/office/drawing/2014/main" xmlns="" id="{E36F401C-D4D3-3500-4073-E532BD9F1FD6}"/>
+                <a16:creationId xmlns="" xmlns:a16="http://schemas.microsoft.com/office/drawing/2014/main" id="{E36F401C-D4D3-3500-4073-E532BD9F1FD6}"/>
               </a:ext>
             </a:extLst>
           </p:cNvPr>
@@ -1070,7 +1070,7 @@
           <p:cNvPr id="7" name="Footer Placeholder 4">
             <a:extLst>
               <a:ext uri="{FF2B5EF4-FFF2-40B4-BE49-F238E27FC236}">
-                <a16:creationId xmlns:a16="http://schemas.microsoft.com/office/drawing/2014/main" xmlns="" id="{844B232F-D5B6-DEFE-8440-A43739EF1CB4}"/>
+                <a16:creationId xmlns="" xmlns:a16="http://schemas.microsoft.com/office/drawing/2014/main" id="{844B232F-D5B6-DEFE-8440-A43739EF1CB4}"/>
               </a:ext>
             </a:extLst>
           </p:cNvPr>
@@ -1231,7 +1231,7 @@
           <p:cNvPr id="2" name="Title 1">
             <a:extLst>
               <a:ext uri="{FF2B5EF4-FFF2-40B4-BE49-F238E27FC236}">
-                <a16:creationId xmlns:a16="http://schemas.microsoft.com/office/drawing/2014/main" xmlns="" id="{ACA9419F-3AA8-7780-4AB2-0778AAAFC21C}"/>
+                <a16:creationId xmlns="" xmlns:a16="http://schemas.microsoft.com/office/drawing/2014/main" id="{ACA9419F-3AA8-7780-4AB2-0778AAAFC21C}"/>
               </a:ext>
             </a:extLst>
           </p:cNvPr>
@@ -1269,7 +1269,7 @@
           <p:cNvPr id="3" name="Text Placeholder 2">
             <a:extLst>
               <a:ext uri="{FF2B5EF4-FFF2-40B4-BE49-F238E27FC236}">
-                <a16:creationId xmlns:a16="http://schemas.microsoft.com/office/drawing/2014/main" xmlns="" id="{F7210246-D5F0-A37C-2B2C-D6A6D3CB30DD}"/>
+                <a16:creationId xmlns="" xmlns:a16="http://schemas.microsoft.com/office/drawing/2014/main" id="{F7210246-D5F0-A37C-2B2C-D6A6D3CB30DD}"/>
               </a:ext>
             </a:extLst>
           </p:cNvPr>
@@ -1394,7 +1394,7 @@
           <p:cNvPr id="4" name="Date Placeholder 3">
             <a:extLst>
               <a:ext uri="{FF2B5EF4-FFF2-40B4-BE49-F238E27FC236}">
-                <a16:creationId xmlns:a16="http://schemas.microsoft.com/office/drawing/2014/main" xmlns="" id="{EE42C001-3FCB-0E6B-9E1F-20622B91CBC3}"/>
+                <a16:creationId xmlns="" xmlns:a16="http://schemas.microsoft.com/office/drawing/2014/main" id="{EE42C001-3FCB-0E6B-9E1F-20622B91CBC3}"/>
               </a:ext>
             </a:extLst>
           </p:cNvPr>
@@ -1412,7 +1412,7 @@
           <a:p>
             <a:fld id="{6670FE10-F406-47AF-8AE1-E9BA4C7E25F2}" type="datetimeFigureOut">
               <a:rPr lang="en-GB" smtClean="0"/>
-              <a:t>11/03/2023</a:t>
+              <a:t>30/03/2023</a:t>
             </a:fld>
             <a:endParaRPr lang="en-GB"/>
           </a:p>
@@ -1423,7 +1423,7 @@
           <p:cNvPr id="5" name="Footer Placeholder 4">
             <a:extLst>
               <a:ext uri="{FF2B5EF4-FFF2-40B4-BE49-F238E27FC236}">
-                <a16:creationId xmlns:a16="http://schemas.microsoft.com/office/drawing/2014/main" xmlns="" id="{B80F9F14-D78E-F738-AB9A-82903D4180EC}"/>
+                <a16:creationId xmlns="" xmlns:a16="http://schemas.microsoft.com/office/drawing/2014/main" id="{B80F9F14-D78E-F738-AB9A-82903D4180EC}"/>
               </a:ext>
             </a:extLst>
           </p:cNvPr>
@@ -1448,7 +1448,7 @@
           <p:cNvPr id="6" name="Slide Number Placeholder 5">
             <a:extLst>
               <a:ext uri="{FF2B5EF4-FFF2-40B4-BE49-F238E27FC236}">
-                <a16:creationId xmlns:a16="http://schemas.microsoft.com/office/drawing/2014/main" xmlns="" id="{3DA85AB1-BB89-8FEB-4B9B-6D47D0A3306D}"/>
+                <a16:creationId xmlns="" xmlns:a16="http://schemas.microsoft.com/office/drawing/2014/main" id="{3DA85AB1-BB89-8FEB-4B9B-6D47D0A3306D}"/>
               </a:ext>
             </a:extLst>
           </p:cNvPr>
@@ -1507,7 +1507,7 @@
           <p:cNvPr id="2" name="Title 1">
             <a:extLst>
               <a:ext uri="{FF2B5EF4-FFF2-40B4-BE49-F238E27FC236}">
-                <a16:creationId xmlns:a16="http://schemas.microsoft.com/office/drawing/2014/main" xmlns="" id="{24DD90D2-E4BE-3BAB-80D6-46034DFB3151}"/>
+                <a16:creationId xmlns="" xmlns:a16="http://schemas.microsoft.com/office/drawing/2014/main" id="{24DD90D2-E4BE-3BAB-80D6-46034DFB3151}"/>
               </a:ext>
             </a:extLst>
           </p:cNvPr>
@@ -1536,7 +1536,7 @@
           <p:cNvPr id="3" name="Content Placeholder 2">
             <a:extLst>
               <a:ext uri="{FF2B5EF4-FFF2-40B4-BE49-F238E27FC236}">
-                <a16:creationId xmlns:a16="http://schemas.microsoft.com/office/drawing/2014/main" xmlns="" id="{1BE216A8-1C74-E2BB-5D51-957032134746}"/>
+                <a16:creationId xmlns="" xmlns:a16="http://schemas.microsoft.com/office/drawing/2014/main" id="{1BE216A8-1C74-E2BB-5D51-957032134746}"/>
               </a:ext>
             </a:extLst>
           </p:cNvPr>
@@ -1599,7 +1599,7 @@
           <p:cNvPr id="4" name="Content Placeholder 3">
             <a:extLst>
               <a:ext uri="{FF2B5EF4-FFF2-40B4-BE49-F238E27FC236}">
-                <a16:creationId xmlns:a16="http://schemas.microsoft.com/office/drawing/2014/main" xmlns="" id="{E482CC0D-CA4E-02C7-076E-55D511571AB6}"/>
+                <a16:creationId xmlns="" xmlns:a16="http://schemas.microsoft.com/office/drawing/2014/main" id="{E482CC0D-CA4E-02C7-076E-55D511571AB6}"/>
               </a:ext>
             </a:extLst>
           </p:cNvPr>
@@ -1662,7 +1662,7 @@
           <p:cNvPr id="5" name="Date Placeholder 4">
             <a:extLst>
               <a:ext uri="{FF2B5EF4-FFF2-40B4-BE49-F238E27FC236}">
-                <a16:creationId xmlns:a16="http://schemas.microsoft.com/office/drawing/2014/main" xmlns="" id="{70BDE4EC-111C-93BE-1438-6CDC2E8FCC78}"/>
+                <a16:creationId xmlns="" xmlns:a16="http://schemas.microsoft.com/office/drawing/2014/main" id="{70BDE4EC-111C-93BE-1438-6CDC2E8FCC78}"/>
               </a:ext>
             </a:extLst>
           </p:cNvPr>
@@ -1680,7 +1680,7 @@
           <a:p>
             <a:fld id="{6670FE10-F406-47AF-8AE1-E9BA4C7E25F2}" type="datetimeFigureOut">
               <a:rPr lang="en-GB" smtClean="0"/>
-              <a:t>11/03/2023</a:t>
+              <a:t>30/03/2023</a:t>
             </a:fld>
             <a:endParaRPr lang="en-GB"/>
           </a:p>
@@ -1691,7 +1691,7 @@
           <p:cNvPr id="6" name="Footer Placeholder 5">
             <a:extLst>
               <a:ext uri="{FF2B5EF4-FFF2-40B4-BE49-F238E27FC236}">
-                <a16:creationId xmlns:a16="http://schemas.microsoft.com/office/drawing/2014/main" xmlns="" id="{ABE612E8-024B-A8EE-5D52-CE4D6B315CBE}"/>
+                <a16:creationId xmlns="" xmlns:a16="http://schemas.microsoft.com/office/drawing/2014/main" id="{ABE612E8-024B-A8EE-5D52-CE4D6B315CBE}"/>
               </a:ext>
             </a:extLst>
           </p:cNvPr>
@@ -1716,7 +1716,7 @@
           <p:cNvPr id="7" name="Slide Number Placeholder 6">
             <a:extLst>
               <a:ext uri="{FF2B5EF4-FFF2-40B4-BE49-F238E27FC236}">
-                <a16:creationId xmlns:a16="http://schemas.microsoft.com/office/drawing/2014/main" xmlns="" id="{838136DD-9F31-209F-5224-7E8DA5ED84DF}"/>
+                <a16:creationId xmlns="" xmlns:a16="http://schemas.microsoft.com/office/drawing/2014/main" id="{838136DD-9F31-209F-5224-7E8DA5ED84DF}"/>
               </a:ext>
             </a:extLst>
           </p:cNvPr>
@@ -1775,7 +1775,7 @@
           <p:cNvPr id="2" name="Title 1">
             <a:extLst>
               <a:ext uri="{FF2B5EF4-FFF2-40B4-BE49-F238E27FC236}">
-                <a16:creationId xmlns:a16="http://schemas.microsoft.com/office/drawing/2014/main" xmlns="" id="{F0ACAF4E-854C-2F13-E1E3-1FCD814C36C1}"/>
+                <a16:creationId xmlns="" xmlns:a16="http://schemas.microsoft.com/office/drawing/2014/main" id="{F0ACAF4E-854C-2F13-E1E3-1FCD814C36C1}"/>
               </a:ext>
             </a:extLst>
           </p:cNvPr>
@@ -1809,7 +1809,7 @@
           <p:cNvPr id="3" name="Text Placeholder 2">
             <a:extLst>
               <a:ext uri="{FF2B5EF4-FFF2-40B4-BE49-F238E27FC236}">
-                <a16:creationId xmlns:a16="http://schemas.microsoft.com/office/drawing/2014/main" xmlns="" id="{55F20CA3-8962-ED78-5627-E2AFD1FA8C10}"/>
+                <a16:creationId xmlns="" xmlns:a16="http://schemas.microsoft.com/office/drawing/2014/main" id="{55F20CA3-8962-ED78-5627-E2AFD1FA8C10}"/>
               </a:ext>
             </a:extLst>
           </p:cNvPr>
@@ -1880,7 +1880,7 @@
           <p:cNvPr id="4" name="Content Placeholder 3">
             <a:extLst>
               <a:ext uri="{FF2B5EF4-FFF2-40B4-BE49-F238E27FC236}">
-                <a16:creationId xmlns:a16="http://schemas.microsoft.com/office/drawing/2014/main" xmlns="" id="{A9DFED54-B3EB-EDCE-24C1-E05D0B1AAE2D}"/>
+                <a16:creationId xmlns="" xmlns:a16="http://schemas.microsoft.com/office/drawing/2014/main" id="{A9DFED54-B3EB-EDCE-24C1-E05D0B1AAE2D}"/>
               </a:ext>
             </a:extLst>
           </p:cNvPr>
@@ -1943,7 +1943,7 @@
           <p:cNvPr id="5" name="Text Placeholder 4">
             <a:extLst>
               <a:ext uri="{FF2B5EF4-FFF2-40B4-BE49-F238E27FC236}">
-                <a16:creationId xmlns:a16="http://schemas.microsoft.com/office/drawing/2014/main" xmlns="" id="{6DB824DE-EEE0-3583-344D-DEB814DF9A03}"/>
+                <a16:creationId xmlns="" xmlns:a16="http://schemas.microsoft.com/office/drawing/2014/main" id="{6DB824DE-EEE0-3583-344D-DEB814DF9A03}"/>
               </a:ext>
             </a:extLst>
           </p:cNvPr>
@@ -2014,7 +2014,7 @@
           <p:cNvPr id="6" name="Content Placeholder 5">
             <a:extLst>
               <a:ext uri="{FF2B5EF4-FFF2-40B4-BE49-F238E27FC236}">
-                <a16:creationId xmlns:a16="http://schemas.microsoft.com/office/drawing/2014/main" xmlns="" id="{26C3C5AD-D28A-542C-CF9F-7650793A3835}"/>
+                <a16:creationId xmlns="" xmlns:a16="http://schemas.microsoft.com/office/drawing/2014/main" id="{26C3C5AD-D28A-542C-CF9F-7650793A3835}"/>
               </a:ext>
             </a:extLst>
           </p:cNvPr>
@@ -2077,7 +2077,7 @@
           <p:cNvPr id="7" name="Date Placeholder 6">
             <a:extLst>
               <a:ext uri="{FF2B5EF4-FFF2-40B4-BE49-F238E27FC236}">
-                <a16:creationId xmlns:a16="http://schemas.microsoft.com/office/drawing/2014/main" xmlns="" id="{7BCFE2E4-8192-9EA2-4489-80F4A15EFB6B}"/>
+                <a16:creationId xmlns="" xmlns:a16="http://schemas.microsoft.com/office/drawing/2014/main" id="{7BCFE2E4-8192-9EA2-4489-80F4A15EFB6B}"/>
               </a:ext>
             </a:extLst>
           </p:cNvPr>
@@ -2095,7 +2095,7 @@
           <a:p>
             <a:fld id="{6670FE10-F406-47AF-8AE1-E9BA4C7E25F2}" type="datetimeFigureOut">
               <a:rPr lang="en-GB" smtClean="0"/>
-              <a:t>11/03/2023</a:t>
+              <a:t>30/03/2023</a:t>
             </a:fld>
             <a:endParaRPr lang="en-GB"/>
           </a:p>
@@ -2106,7 +2106,7 @@
           <p:cNvPr id="8" name="Footer Placeholder 7">
             <a:extLst>
               <a:ext uri="{FF2B5EF4-FFF2-40B4-BE49-F238E27FC236}">
-                <a16:creationId xmlns:a16="http://schemas.microsoft.com/office/drawing/2014/main" xmlns="" id="{0124C7DB-3AF1-24E1-DCBE-207B96CA5B37}"/>
+                <a16:creationId xmlns="" xmlns:a16="http://schemas.microsoft.com/office/drawing/2014/main" id="{0124C7DB-3AF1-24E1-DCBE-207B96CA5B37}"/>
               </a:ext>
             </a:extLst>
           </p:cNvPr>
@@ -2131,7 +2131,7 @@
           <p:cNvPr id="9" name="Slide Number Placeholder 8">
             <a:extLst>
               <a:ext uri="{FF2B5EF4-FFF2-40B4-BE49-F238E27FC236}">
-                <a16:creationId xmlns:a16="http://schemas.microsoft.com/office/drawing/2014/main" xmlns="" id="{F0FA5518-D3AE-F720-2BE0-3F9DB2DFA9EF}"/>
+                <a16:creationId xmlns="" xmlns:a16="http://schemas.microsoft.com/office/drawing/2014/main" id="{F0FA5518-D3AE-F720-2BE0-3F9DB2DFA9EF}"/>
               </a:ext>
             </a:extLst>
           </p:cNvPr>
@@ -2190,7 +2190,7 @@
           <p:cNvPr id="2" name="Title 1">
             <a:extLst>
               <a:ext uri="{FF2B5EF4-FFF2-40B4-BE49-F238E27FC236}">
-                <a16:creationId xmlns:a16="http://schemas.microsoft.com/office/drawing/2014/main" xmlns="" id="{CDBB8F10-4EB4-0C0F-03BF-F531D235ADC4}"/>
+                <a16:creationId xmlns="" xmlns:a16="http://schemas.microsoft.com/office/drawing/2014/main" id="{CDBB8F10-4EB4-0C0F-03BF-F531D235ADC4}"/>
               </a:ext>
             </a:extLst>
           </p:cNvPr>
@@ -2219,7 +2219,7 @@
           <p:cNvPr id="3" name="Date Placeholder 2">
             <a:extLst>
               <a:ext uri="{FF2B5EF4-FFF2-40B4-BE49-F238E27FC236}">
-                <a16:creationId xmlns:a16="http://schemas.microsoft.com/office/drawing/2014/main" xmlns="" id="{0F1CEF92-A5CC-B946-CAFC-8C36EB5A1CA9}"/>
+                <a16:creationId xmlns="" xmlns:a16="http://schemas.microsoft.com/office/drawing/2014/main" id="{0F1CEF92-A5CC-B946-CAFC-8C36EB5A1CA9}"/>
               </a:ext>
             </a:extLst>
           </p:cNvPr>
@@ -2237,7 +2237,7 @@
           <a:p>
             <a:fld id="{6670FE10-F406-47AF-8AE1-E9BA4C7E25F2}" type="datetimeFigureOut">
               <a:rPr lang="en-GB" smtClean="0"/>
-              <a:t>11/03/2023</a:t>
+              <a:t>30/03/2023</a:t>
             </a:fld>
             <a:endParaRPr lang="en-GB"/>
           </a:p>
@@ -2248,7 +2248,7 @@
           <p:cNvPr id="4" name="Footer Placeholder 3">
             <a:extLst>
               <a:ext uri="{FF2B5EF4-FFF2-40B4-BE49-F238E27FC236}">
-                <a16:creationId xmlns:a16="http://schemas.microsoft.com/office/drawing/2014/main" xmlns="" id="{79B0AED2-981A-D1A1-3051-5903B7A77705}"/>
+                <a16:creationId xmlns="" xmlns:a16="http://schemas.microsoft.com/office/drawing/2014/main" id="{79B0AED2-981A-D1A1-3051-5903B7A77705}"/>
               </a:ext>
             </a:extLst>
           </p:cNvPr>
@@ -2273,7 +2273,7 @@
           <p:cNvPr id="5" name="Slide Number Placeholder 4">
             <a:extLst>
               <a:ext uri="{FF2B5EF4-FFF2-40B4-BE49-F238E27FC236}">
-                <a16:creationId xmlns:a16="http://schemas.microsoft.com/office/drawing/2014/main" xmlns="" id="{30C34D5F-9056-9555-8436-92D63EF82CE5}"/>
+                <a16:creationId xmlns="" xmlns:a16="http://schemas.microsoft.com/office/drawing/2014/main" id="{30C34D5F-9056-9555-8436-92D63EF82CE5}"/>
               </a:ext>
             </a:extLst>
           </p:cNvPr>
@@ -2332,7 +2332,7 @@
           <p:cNvPr id="2" name="Date Placeholder 1">
             <a:extLst>
               <a:ext uri="{FF2B5EF4-FFF2-40B4-BE49-F238E27FC236}">
-                <a16:creationId xmlns:a16="http://schemas.microsoft.com/office/drawing/2014/main" xmlns="" id="{B730EC6A-6AD6-AA45-F17C-03F69F0BC0B1}"/>
+                <a16:creationId xmlns="" xmlns:a16="http://schemas.microsoft.com/office/drawing/2014/main" id="{B730EC6A-6AD6-AA45-F17C-03F69F0BC0B1}"/>
               </a:ext>
             </a:extLst>
           </p:cNvPr>
@@ -2350,7 +2350,7 @@
           <a:p>
             <a:fld id="{6670FE10-F406-47AF-8AE1-E9BA4C7E25F2}" type="datetimeFigureOut">
               <a:rPr lang="en-GB" smtClean="0"/>
-              <a:t>11/03/2023</a:t>
+              <a:t>30/03/2023</a:t>
             </a:fld>
             <a:endParaRPr lang="en-GB"/>
           </a:p>
@@ -2361,7 +2361,7 @@
           <p:cNvPr id="3" name="Footer Placeholder 2">
             <a:extLst>
               <a:ext uri="{FF2B5EF4-FFF2-40B4-BE49-F238E27FC236}">
-                <a16:creationId xmlns:a16="http://schemas.microsoft.com/office/drawing/2014/main" xmlns="" id="{4CE86569-C17C-085A-6CBC-D1C4A1862CB5}"/>
+                <a16:creationId xmlns="" xmlns:a16="http://schemas.microsoft.com/office/drawing/2014/main" id="{4CE86569-C17C-085A-6CBC-D1C4A1862CB5}"/>
               </a:ext>
             </a:extLst>
           </p:cNvPr>
@@ -2386,7 +2386,7 @@
           <p:cNvPr id="4" name="Slide Number Placeholder 3">
             <a:extLst>
               <a:ext uri="{FF2B5EF4-FFF2-40B4-BE49-F238E27FC236}">
-                <a16:creationId xmlns:a16="http://schemas.microsoft.com/office/drawing/2014/main" xmlns="" id="{78D85FA6-E886-1316-E77C-F547D63906B5}"/>
+                <a16:creationId xmlns="" xmlns:a16="http://schemas.microsoft.com/office/drawing/2014/main" id="{78D85FA6-E886-1316-E77C-F547D63906B5}"/>
               </a:ext>
             </a:extLst>
           </p:cNvPr>
@@ -2445,7 +2445,7 @@
           <p:cNvPr id="2" name="Title 1">
             <a:extLst>
               <a:ext uri="{FF2B5EF4-FFF2-40B4-BE49-F238E27FC236}">
-                <a16:creationId xmlns:a16="http://schemas.microsoft.com/office/drawing/2014/main" xmlns="" id="{0BD7938B-5BC3-3F7E-C07B-69D21045835A}"/>
+                <a16:creationId xmlns="" xmlns:a16="http://schemas.microsoft.com/office/drawing/2014/main" id="{0BD7938B-5BC3-3F7E-C07B-69D21045835A}"/>
               </a:ext>
             </a:extLst>
           </p:cNvPr>
@@ -2483,7 +2483,7 @@
           <p:cNvPr id="3" name="Content Placeholder 2">
             <a:extLst>
               <a:ext uri="{FF2B5EF4-FFF2-40B4-BE49-F238E27FC236}">
-                <a16:creationId xmlns:a16="http://schemas.microsoft.com/office/drawing/2014/main" xmlns="" id="{8BA5A36E-54F8-095F-63F4-D35F0CEA499E}"/>
+                <a16:creationId xmlns="" xmlns:a16="http://schemas.microsoft.com/office/drawing/2014/main" id="{8BA5A36E-54F8-095F-63F4-D35F0CEA499E}"/>
               </a:ext>
             </a:extLst>
           </p:cNvPr>
@@ -2574,7 +2574,7 @@
           <p:cNvPr id="4" name="Text Placeholder 3">
             <a:extLst>
               <a:ext uri="{FF2B5EF4-FFF2-40B4-BE49-F238E27FC236}">
-                <a16:creationId xmlns:a16="http://schemas.microsoft.com/office/drawing/2014/main" xmlns="" id="{6E133D28-5C98-8AD3-E53B-B46BC56EF23C}"/>
+                <a16:creationId xmlns="" xmlns:a16="http://schemas.microsoft.com/office/drawing/2014/main" id="{6E133D28-5C98-8AD3-E53B-B46BC56EF23C}"/>
               </a:ext>
             </a:extLst>
           </p:cNvPr>
@@ -2645,7 +2645,7 @@
           <p:cNvPr id="5" name="Date Placeholder 4">
             <a:extLst>
               <a:ext uri="{FF2B5EF4-FFF2-40B4-BE49-F238E27FC236}">
-                <a16:creationId xmlns:a16="http://schemas.microsoft.com/office/drawing/2014/main" xmlns="" id="{5B6D2A4C-20E2-A896-97ED-F88A7A2385FF}"/>
+                <a16:creationId xmlns="" xmlns:a16="http://schemas.microsoft.com/office/drawing/2014/main" id="{5B6D2A4C-20E2-A896-97ED-F88A7A2385FF}"/>
               </a:ext>
             </a:extLst>
           </p:cNvPr>
@@ -2663,7 +2663,7 @@
           <a:p>
             <a:fld id="{6670FE10-F406-47AF-8AE1-E9BA4C7E25F2}" type="datetimeFigureOut">
               <a:rPr lang="en-GB" smtClean="0"/>
-              <a:t>11/03/2023</a:t>
+              <a:t>30/03/2023</a:t>
             </a:fld>
             <a:endParaRPr lang="en-GB"/>
           </a:p>
@@ -2674,7 +2674,7 @@
           <p:cNvPr id="6" name="Footer Placeholder 5">
             <a:extLst>
               <a:ext uri="{FF2B5EF4-FFF2-40B4-BE49-F238E27FC236}">
-                <a16:creationId xmlns:a16="http://schemas.microsoft.com/office/drawing/2014/main" xmlns="" id="{ED56FC89-B6CF-07FC-4053-C9A2B6E43753}"/>
+                <a16:creationId xmlns="" xmlns:a16="http://schemas.microsoft.com/office/drawing/2014/main" id="{ED56FC89-B6CF-07FC-4053-C9A2B6E43753}"/>
               </a:ext>
             </a:extLst>
           </p:cNvPr>
@@ -2699,7 +2699,7 @@
           <p:cNvPr id="7" name="Slide Number Placeholder 6">
             <a:extLst>
               <a:ext uri="{FF2B5EF4-FFF2-40B4-BE49-F238E27FC236}">
-                <a16:creationId xmlns:a16="http://schemas.microsoft.com/office/drawing/2014/main" xmlns="" id="{C6B4ECD2-23D6-A678-D6E6-CC8E80A4100C}"/>
+                <a16:creationId xmlns="" xmlns:a16="http://schemas.microsoft.com/office/drawing/2014/main" id="{C6B4ECD2-23D6-A678-D6E6-CC8E80A4100C}"/>
               </a:ext>
             </a:extLst>
           </p:cNvPr>
@@ -2758,7 +2758,7 @@
           <p:cNvPr id="2" name="Title 1">
             <a:extLst>
               <a:ext uri="{FF2B5EF4-FFF2-40B4-BE49-F238E27FC236}">
-                <a16:creationId xmlns:a16="http://schemas.microsoft.com/office/drawing/2014/main" xmlns="" id="{486D62C0-B9AF-01E3-3121-5E4CEC456534}"/>
+                <a16:creationId xmlns="" xmlns:a16="http://schemas.microsoft.com/office/drawing/2014/main" id="{486D62C0-B9AF-01E3-3121-5E4CEC456534}"/>
               </a:ext>
             </a:extLst>
           </p:cNvPr>
@@ -2796,7 +2796,7 @@
           <p:cNvPr id="3" name="Picture Placeholder 2">
             <a:extLst>
               <a:ext uri="{FF2B5EF4-FFF2-40B4-BE49-F238E27FC236}">
-                <a16:creationId xmlns:a16="http://schemas.microsoft.com/office/drawing/2014/main" xmlns="" id="{C01E6429-9B79-A736-0B9D-B13183DAC690}"/>
+                <a16:creationId xmlns="" xmlns:a16="http://schemas.microsoft.com/office/drawing/2014/main" id="{C01E6429-9B79-A736-0B9D-B13183DAC690}"/>
               </a:ext>
             </a:extLst>
           </p:cNvPr>
@@ -2863,7 +2863,7 @@
           <p:cNvPr id="4" name="Text Placeholder 3">
             <a:extLst>
               <a:ext uri="{FF2B5EF4-FFF2-40B4-BE49-F238E27FC236}">
-                <a16:creationId xmlns:a16="http://schemas.microsoft.com/office/drawing/2014/main" xmlns="" id="{A38859E1-EE15-4687-0846-74724C476ED6}"/>
+                <a16:creationId xmlns="" xmlns:a16="http://schemas.microsoft.com/office/drawing/2014/main" id="{A38859E1-EE15-4687-0846-74724C476ED6}"/>
               </a:ext>
             </a:extLst>
           </p:cNvPr>
@@ -2934,7 +2934,7 @@
           <p:cNvPr id="5" name="Date Placeholder 4">
             <a:extLst>
               <a:ext uri="{FF2B5EF4-FFF2-40B4-BE49-F238E27FC236}">
-                <a16:creationId xmlns:a16="http://schemas.microsoft.com/office/drawing/2014/main" xmlns="" id="{CFB76135-5B72-1EEF-F390-24A30E0C2784}"/>
+                <a16:creationId xmlns="" xmlns:a16="http://schemas.microsoft.com/office/drawing/2014/main" id="{CFB76135-5B72-1EEF-F390-24A30E0C2784}"/>
               </a:ext>
             </a:extLst>
           </p:cNvPr>
@@ -2952,7 +2952,7 @@
           <a:p>
             <a:fld id="{6670FE10-F406-47AF-8AE1-E9BA4C7E25F2}" type="datetimeFigureOut">
               <a:rPr lang="en-GB" smtClean="0"/>
-              <a:t>11/03/2023</a:t>
+              <a:t>30/03/2023</a:t>
             </a:fld>
             <a:endParaRPr lang="en-GB"/>
           </a:p>
@@ -2963,7 +2963,7 @@
           <p:cNvPr id="6" name="Footer Placeholder 5">
             <a:extLst>
               <a:ext uri="{FF2B5EF4-FFF2-40B4-BE49-F238E27FC236}">
-                <a16:creationId xmlns:a16="http://schemas.microsoft.com/office/drawing/2014/main" xmlns="" id="{35886E81-CAA3-CA1B-34FD-D779E0A78C49}"/>
+                <a16:creationId xmlns="" xmlns:a16="http://schemas.microsoft.com/office/drawing/2014/main" id="{35886E81-CAA3-CA1B-34FD-D779E0A78C49}"/>
               </a:ext>
             </a:extLst>
           </p:cNvPr>
@@ -2988,7 +2988,7 @@
           <p:cNvPr id="7" name="Slide Number Placeholder 6">
             <a:extLst>
               <a:ext uri="{FF2B5EF4-FFF2-40B4-BE49-F238E27FC236}">
-                <a16:creationId xmlns:a16="http://schemas.microsoft.com/office/drawing/2014/main" xmlns="" id="{55CACC89-7C0E-4493-8D29-3D8652C25C7A}"/>
+                <a16:creationId xmlns="" xmlns:a16="http://schemas.microsoft.com/office/drawing/2014/main" id="{55CACC89-7C0E-4493-8D29-3D8652C25C7A}"/>
               </a:ext>
             </a:extLst>
           </p:cNvPr>
@@ -3052,7 +3052,7 @@
           <p:cNvPr id="2" name="Title Placeholder 1">
             <a:extLst>
               <a:ext uri="{FF2B5EF4-FFF2-40B4-BE49-F238E27FC236}">
-                <a16:creationId xmlns:a16="http://schemas.microsoft.com/office/drawing/2014/main" xmlns="" id="{2A2A5E74-E7EA-A582-FEFF-7E8B6526EAE3}"/>
+                <a16:creationId xmlns="" xmlns:a16="http://schemas.microsoft.com/office/drawing/2014/main" id="{2A2A5E74-E7EA-A582-FEFF-7E8B6526EAE3}"/>
               </a:ext>
             </a:extLst>
           </p:cNvPr>
@@ -3091,7 +3091,7 @@
           <p:cNvPr id="3" name="Text Placeholder 2">
             <a:extLst>
               <a:ext uri="{FF2B5EF4-FFF2-40B4-BE49-F238E27FC236}">
-                <a16:creationId xmlns:a16="http://schemas.microsoft.com/office/drawing/2014/main" xmlns="" id="{81F34B22-10EC-C970-0CA4-B2EEE5D4462F}"/>
+                <a16:creationId xmlns="" xmlns:a16="http://schemas.microsoft.com/office/drawing/2014/main" id="{81F34B22-10EC-C970-0CA4-B2EEE5D4462F}"/>
               </a:ext>
             </a:extLst>
           </p:cNvPr>
@@ -3159,7 +3159,7 @@
           <p:cNvPr id="4" name="Date Placeholder 3">
             <a:extLst>
               <a:ext uri="{FF2B5EF4-FFF2-40B4-BE49-F238E27FC236}">
-                <a16:creationId xmlns:a16="http://schemas.microsoft.com/office/drawing/2014/main" xmlns="" id="{EB568B27-F4D1-8804-8F24-49F4B5CF6401}"/>
+                <a16:creationId xmlns="" xmlns:a16="http://schemas.microsoft.com/office/drawing/2014/main" id="{EB568B27-F4D1-8804-8F24-49F4B5CF6401}"/>
               </a:ext>
             </a:extLst>
           </p:cNvPr>
@@ -3195,7 +3195,7 @@
           <a:p>
             <a:fld id="{6670FE10-F406-47AF-8AE1-E9BA4C7E25F2}" type="datetimeFigureOut">
               <a:rPr lang="en-GB" smtClean="0"/>
-              <a:t>11/03/2023</a:t>
+              <a:t>30/03/2023</a:t>
             </a:fld>
             <a:endParaRPr lang="en-GB"/>
           </a:p>
@@ -3206,7 +3206,7 @@
           <p:cNvPr id="5" name="Footer Placeholder 4">
             <a:extLst>
               <a:ext uri="{FF2B5EF4-FFF2-40B4-BE49-F238E27FC236}">
-                <a16:creationId xmlns:a16="http://schemas.microsoft.com/office/drawing/2014/main" xmlns="" id="{0FE3C49D-7C0D-DBB2-ECF5-D83556B8653A}"/>
+                <a16:creationId xmlns="" xmlns:a16="http://schemas.microsoft.com/office/drawing/2014/main" id="{0FE3C49D-7C0D-DBB2-ECF5-D83556B8653A}"/>
               </a:ext>
             </a:extLst>
           </p:cNvPr>
@@ -3249,7 +3249,7 @@
           <p:cNvPr id="6" name="Slide Number Placeholder 5">
             <a:extLst>
               <a:ext uri="{FF2B5EF4-FFF2-40B4-BE49-F238E27FC236}">
-                <a16:creationId xmlns:a16="http://schemas.microsoft.com/office/drawing/2014/main" xmlns="" id="{C8EB63AB-DEAA-1B23-7F83-4CF51358DAA8}"/>
+                <a16:creationId xmlns="" xmlns:a16="http://schemas.microsoft.com/office/drawing/2014/main" id="{C8EB63AB-DEAA-1B23-7F83-4CF51358DAA8}"/>
               </a:ext>
             </a:extLst>
           </p:cNvPr>
@@ -3617,7 +3617,7 @@
           <p:cNvPr id="2" name="Title 1">
             <a:extLst>
               <a:ext uri="{FF2B5EF4-FFF2-40B4-BE49-F238E27FC236}">
-                <a16:creationId xmlns:a16="http://schemas.microsoft.com/office/drawing/2014/main" xmlns="" id="{7BDADD12-D653-7463-3EAD-70846DE1F2CC}"/>
+                <a16:creationId xmlns="" xmlns:a16="http://schemas.microsoft.com/office/drawing/2014/main" id="{7BDADD12-D653-7463-3EAD-70846DE1F2CC}"/>
               </a:ext>
             </a:extLst>
           </p:cNvPr>
@@ -3723,46 +3723,12 @@
             <a:pPr algn="just"/>
             <a:r>
               <a:rPr lang="en-US" dirty="0" smtClean="0"/>
-              <a:t>From top-right to bottom left, these images shows the level of importance of each feature, the Classification Report of the model and the ROC-AUC curve of the model. </a:t>
-            </a:r>
-            <a:r>
-              <a:rPr lang="en-US" dirty="0" smtClean="0"/>
-              <a:t>Length of stay is the most important feature for the model.</a:t>
+              <a:t>From top-right to bottom left, these images shows the level of importance of each feature, the Classification Report of the model and the ROC-AUC curve of the model. Length of stay is the most important feature for the model.</a:t>
             </a:r>
             <a:endParaRPr lang="en-US" dirty="0"/>
           </a:p>
         </p:txBody>
       </p:sp>
-      <p:pic>
-        <p:nvPicPr>
-          <p:cNvPr id="3" name="Picture 2"/>
-          <p:cNvPicPr>
-            <a:picLocks noChangeAspect="1"/>
-          </p:cNvPicPr>
-          <p:nvPr/>
-        </p:nvPicPr>
-        <p:blipFill>
-          <a:blip r:embed="rId2">
-            <a:extLst>
-              <a:ext uri="{28A0092B-C50C-407E-A947-70E740481C1C}">
-                <a14:useLocalDpi xmlns:a14="http://schemas.microsoft.com/office/drawing/2010/main" val="0"/>
-              </a:ext>
-            </a:extLst>
-          </a:blip>
-          <a:stretch>
-            <a:fillRect/>
-          </a:stretch>
-        </p:blipFill>
-        <p:spPr>
-          <a:xfrm>
-            <a:off x="64394" y="978796"/>
-            <a:ext cx="7920506" cy="4774120"/>
-          </a:xfrm>
-          <a:prstGeom prst="rect">
-            <a:avLst/>
-          </a:prstGeom>
-        </p:spPr>
-      </p:pic>
       <p:pic>
         <p:nvPicPr>
           <p:cNvPr id="4" name="Picture 3"/>
@@ -3772,7 +3738,7 @@
           <p:nvPr/>
         </p:nvPicPr>
         <p:blipFill>
-          <a:blip r:embed="rId3"/>
+          <a:blip r:embed="rId2"/>
           <a:stretch>
             <a:fillRect/>
           </a:stretch>
@@ -3796,7 +3762,7 @@
           <p:nvPr/>
         </p:nvPicPr>
         <p:blipFill rotWithShape="1">
-          <a:blip r:embed="rId4">
+          <a:blip r:embed="rId3">
             <a:extLst>
               <a:ext uri="{28A0092B-C50C-407E-A947-70E740481C1C}">
                 <a14:useLocalDpi xmlns:a14="http://schemas.microsoft.com/office/drawing/2010/main" val="0"/>
@@ -3810,6 +3776,36 @@
           <a:xfrm>
             <a:off x="8062174" y="3528810"/>
             <a:ext cx="4061141" cy="3303431"/>
+          </a:xfrm>
+          <a:prstGeom prst="rect">
+            <a:avLst/>
+          </a:prstGeom>
+        </p:spPr>
+      </p:pic>
+      <p:pic>
+        <p:nvPicPr>
+          <p:cNvPr id="6" name="Picture 5"/>
+          <p:cNvPicPr>
+            <a:picLocks noChangeAspect="1"/>
+          </p:cNvPicPr>
+          <p:nvPr/>
+        </p:nvPicPr>
+        <p:blipFill>
+          <a:blip r:embed="rId4">
+            <a:extLst>
+              <a:ext uri="{28A0092B-C50C-407E-A947-70E740481C1C}">
+                <a14:useLocalDpi xmlns:a14="http://schemas.microsoft.com/office/drawing/2010/main" val="0"/>
+              </a:ext>
+            </a:extLst>
+          </a:blip>
+          <a:stretch>
+            <a:fillRect/>
+          </a:stretch>
+        </p:blipFill>
+        <p:spPr>
+          <a:xfrm>
+            <a:off x="225111" y="1046949"/>
+            <a:ext cx="7165903" cy="4705966"/>
           </a:xfrm>
           <a:prstGeom prst="rect">
             <a:avLst/>
